--- a/FYP-Research-Area-questions.pptx
+++ b/FYP-Research-Area-questions.pptx
@@ -1,11 +1,11 @@
 
 <file path=ppt/presentation.xml><?xml version="1.0" encoding="utf-8"?>
-<p:presentation xmlns:p="http://schemas.openxmlformats.org/presentationml/2006/main" xmlns:r="http://schemas.openxmlformats.org/officeDocument/2006/relationships">
+<p:presentation xmlns:a="http://schemas.openxmlformats.org/drawingml/2006/main" xmlns:p="http://schemas.openxmlformats.org/presentationml/2006/main" xmlns:r="http://schemas.openxmlformats.org/officeDocument/2006/relationships" xmlns:p14="http://schemas.microsoft.com/office/powerpoint/2010/main" xmlns:p15="http://schemas.microsoft.com/office/powerpoint/2012/main" xmlns:mc="http://schemas.openxmlformats.org/markup-compatibility/2006">
   <p:sldMasterIdLst>
-    <p:sldMasterId id="3612129660" r:id="rId2"/>
-    <p:sldMasterId id="1180481829" r:id="rId3"/>
-    <p:sldMasterId id="3447411482" r:id="rId4"/>
-    <p:sldMasterId id="50528061" r:id="rId5"/>
+    <p:sldMasterId id="2147483648" r:id="rId2"/>
+    <p:sldMasterId id="2147483661" r:id="rId3"/>
+    <p:sldMasterId id="2147483674" r:id="rId4"/>
+    <p:sldMasterId id="2147483687" r:id="rId5"/>
   </p:sldMasterIdLst>
   <p:sldIdLst>
     <p:sldId id="256" r:id="rId6"/>
@@ -17,7 +17,7 @@
 </file>
 
 <file path=ppt/slideLayouts/slideLayout1.xml><?xml version="1.0" encoding="utf-8"?>
-<p:sldLayout xmlns:a="http://schemas.openxmlformats.org/drawingml/2006/main" xmlns:p="http://schemas.openxmlformats.org/presentationml/2006/main" type="blank" preserve="1">
+<p:sldLayout xmlns:a="http://schemas.openxmlformats.org/drawingml/2006/main" xmlns:p="http://schemas.openxmlformats.org/presentationml/2006/main" xmlns:r="http://schemas.openxmlformats.org/officeDocument/2006/relationships" xmlns:p14="http://schemas.microsoft.com/office/powerpoint/2010/main" xmlns:p15="http://schemas.microsoft.com/office/powerpoint/2012/main" xmlns:mc="http://schemas.openxmlformats.org/markup-compatibility/2006" type="blank" preserve="1">
   <p:cSld name="Blank Slide">
     <p:spTree>
       <p:nvGrpSpPr>
@@ -39,7 +39,7 @@
 </file>
 
 <file path=ppt/slideLayouts/slideLayout10.xml><?xml version="1.0" encoding="utf-8"?>
-<p:sldLayout xmlns:a="http://schemas.openxmlformats.org/drawingml/2006/main" xmlns:p="http://schemas.openxmlformats.org/presentationml/2006/main" type="objOverTx" preserve="1">
+<p:sldLayout xmlns:a="http://schemas.openxmlformats.org/drawingml/2006/main" xmlns:p="http://schemas.openxmlformats.org/presentationml/2006/main" xmlns:r="http://schemas.openxmlformats.org/officeDocument/2006/relationships" xmlns:p14="http://schemas.microsoft.com/office/powerpoint/2010/main" xmlns:p15="http://schemas.microsoft.com/office/powerpoint/2012/main" xmlns:mc="http://schemas.openxmlformats.org/markup-compatibility/2006" type="objOverTx" preserve="1">
   <p:cSld name="Title, Content over Content">
     <p:spTree>
       <p:nvGrpSpPr>
@@ -173,7 +173,7 @@
 </file>
 
 <file path=ppt/slideLayouts/slideLayout11.xml><?xml version="1.0" encoding="utf-8"?>
-<p:sldLayout xmlns:a="http://schemas.openxmlformats.org/drawingml/2006/main" xmlns:p="http://schemas.openxmlformats.org/presentationml/2006/main" type="fourObj" preserve="1">
+<p:sldLayout xmlns:a="http://schemas.openxmlformats.org/drawingml/2006/main" xmlns:p="http://schemas.openxmlformats.org/presentationml/2006/main" xmlns:r="http://schemas.openxmlformats.org/officeDocument/2006/relationships" xmlns:p14="http://schemas.microsoft.com/office/powerpoint/2010/main" xmlns:p15="http://schemas.microsoft.com/office/powerpoint/2012/main" xmlns:mc="http://schemas.openxmlformats.org/markup-compatibility/2006" type="fourObj" preserve="1">
   <p:cSld name="Title, 4 Content">
     <p:spTree>
       <p:nvGrpSpPr>
@@ -381,7 +381,7 @@
 </file>
 
 <file path=ppt/slideLayouts/slideLayout12.xml><?xml version="1.0" encoding="utf-8"?>
-<p:sldLayout xmlns:a="http://schemas.openxmlformats.org/drawingml/2006/main" xmlns:p="http://schemas.openxmlformats.org/presentationml/2006/main" type="blank" preserve="1">
+<p:sldLayout xmlns:a="http://schemas.openxmlformats.org/drawingml/2006/main" xmlns:p="http://schemas.openxmlformats.org/presentationml/2006/main" xmlns:r="http://schemas.openxmlformats.org/officeDocument/2006/relationships" xmlns:p14="http://schemas.microsoft.com/office/powerpoint/2010/main" xmlns:p15="http://schemas.microsoft.com/office/powerpoint/2012/main" xmlns:mc="http://schemas.openxmlformats.org/markup-compatibility/2006" type="blank" preserve="1">
   <p:cSld name="Title, 6 Content">
     <p:spTree>
       <p:nvGrpSpPr>
@@ -663,7 +663,7 @@
 </file>
 
 <file path=ppt/slideLayouts/slideLayout13.xml><?xml version="1.0" encoding="utf-8"?>
-<p:sldLayout xmlns:a="http://schemas.openxmlformats.org/drawingml/2006/main" xmlns:p="http://schemas.openxmlformats.org/presentationml/2006/main" type="blank" preserve="1">
+<p:sldLayout xmlns:a="http://schemas.openxmlformats.org/drawingml/2006/main" xmlns:p="http://schemas.openxmlformats.org/presentationml/2006/main" xmlns:r="http://schemas.openxmlformats.org/officeDocument/2006/relationships" xmlns:p14="http://schemas.microsoft.com/office/powerpoint/2010/main" xmlns:p15="http://schemas.microsoft.com/office/powerpoint/2012/main" xmlns:mc="http://schemas.openxmlformats.org/markup-compatibility/2006" type="blank" preserve="1">
   <p:cSld name="Blank Slide">
     <p:spTree>
       <p:nvGrpSpPr>
@@ -685,7 +685,7 @@
 </file>
 
 <file path=ppt/slideLayouts/slideLayout14.xml><?xml version="1.0" encoding="utf-8"?>
-<p:sldLayout xmlns:a="http://schemas.openxmlformats.org/drawingml/2006/main" xmlns:p="http://schemas.openxmlformats.org/presentationml/2006/main" type="tx" preserve="1">
+<p:sldLayout xmlns:a="http://schemas.openxmlformats.org/drawingml/2006/main" xmlns:p="http://schemas.openxmlformats.org/presentationml/2006/main" xmlns:r="http://schemas.openxmlformats.org/officeDocument/2006/relationships" xmlns:p14="http://schemas.microsoft.com/office/powerpoint/2010/main" xmlns:p15="http://schemas.microsoft.com/office/powerpoint/2012/main" xmlns:mc="http://schemas.openxmlformats.org/markup-compatibility/2006" type="tx" preserve="1">
   <p:cSld name="Title Slide">
     <p:spTree>
       <p:nvGrpSpPr>
@@ -783,7 +783,7 @@
 </file>
 
 <file path=ppt/slideLayouts/slideLayout15.xml><?xml version="1.0" encoding="utf-8"?>
-<p:sldLayout xmlns:a="http://schemas.openxmlformats.org/drawingml/2006/main" xmlns:p="http://schemas.openxmlformats.org/presentationml/2006/main" type="obj" preserve="1">
+<p:sldLayout xmlns:a="http://schemas.openxmlformats.org/drawingml/2006/main" xmlns:p="http://schemas.openxmlformats.org/presentationml/2006/main" xmlns:r="http://schemas.openxmlformats.org/officeDocument/2006/relationships" xmlns:p14="http://schemas.microsoft.com/office/powerpoint/2010/main" xmlns:p15="http://schemas.microsoft.com/office/powerpoint/2012/main" xmlns:mc="http://schemas.openxmlformats.org/markup-compatibility/2006" type="obj" preserve="1">
   <p:cSld name="Title, Content">
     <p:spTree>
       <p:nvGrpSpPr>
@@ -880,7 +880,7 @@
 </file>
 
 <file path=ppt/slideLayouts/slideLayout16.xml><?xml version="1.0" encoding="utf-8"?>
-<p:sldLayout xmlns:a="http://schemas.openxmlformats.org/drawingml/2006/main" xmlns:p="http://schemas.openxmlformats.org/presentationml/2006/main" type="twoObj" preserve="1">
+<p:sldLayout xmlns:a="http://schemas.openxmlformats.org/drawingml/2006/main" xmlns:p="http://schemas.openxmlformats.org/presentationml/2006/main" xmlns:r="http://schemas.openxmlformats.org/officeDocument/2006/relationships" xmlns:p14="http://schemas.microsoft.com/office/powerpoint/2010/main" xmlns:p15="http://schemas.microsoft.com/office/powerpoint/2012/main" xmlns:mc="http://schemas.openxmlformats.org/markup-compatibility/2006" type="twoObj" preserve="1">
   <p:cSld name="Title, 2 Content">
     <p:spTree>
       <p:nvGrpSpPr>
@@ -1014,7 +1014,7 @@
 </file>
 
 <file path=ppt/slideLayouts/slideLayout17.xml><?xml version="1.0" encoding="utf-8"?>
-<p:sldLayout xmlns:a="http://schemas.openxmlformats.org/drawingml/2006/main" xmlns:p="http://schemas.openxmlformats.org/presentationml/2006/main" type="titleOnly" preserve="1">
+<p:sldLayout xmlns:a="http://schemas.openxmlformats.org/drawingml/2006/main" xmlns:p="http://schemas.openxmlformats.org/presentationml/2006/main" xmlns:r="http://schemas.openxmlformats.org/officeDocument/2006/relationships" xmlns:p14="http://schemas.microsoft.com/office/powerpoint/2010/main" xmlns:p15="http://schemas.microsoft.com/office/powerpoint/2012/main" xmlns:mc="http://schemas.openxmlformats.org/markup-compatibility/2006" type="titleOnly" preserve="1">
   <p:cSld name="Title Only">
     <p:spTree>
       <p:nvGrpSpPr>
@@ -1074,7 +1074,7 @@
 </file>
 
 <file path=ppt/slideLayouts/slideLayout18.xml><?xml version="1.0" encoding="utf-8"?>
-<p:sldLayout xmlns:a="http://schemas.openxmlformats.org/drawingml/2006/main" xmlns:p="http://schemas.openxmlformats.org/presentationml/2006/main" type="objOnly" preserve="1">
+<p:sldLayout xmlns:a="http://schemas.openxmlformats.org/drawingml/2006/main" xmlns:p="http://schemas.openxmlformats.org/presentationml/2006/main" xmlns:r="http://schemas.openxmlformats.org/officeDocument/2006/relationships" xmlns:p14="http://schemas.microsoft.com/office/powerpoint/2010/main" xmlns:p15="http://schemas.microsoft.com/office/powerpoint/2012/main" xmlns:mc="http://schemas.openxmlformats.org/markup-compatibility/2006" type="objOnly" preserve="1">
   <p:cSld name="Centered Text">
     <p:spTree>
       <p:nvGrpSpPr>
@@ -1134,7 +1134,7 @@
 </file>
 
 <file path=ppt/slideLayouts/slideLayout19.xml><?xml version="1.0" encoding="utf-8"?>
-<p:sldLayout xmlns:a="http://schemas.openxmlformats.org/drawingml/2006/main" xmlns:p="http://schemas.openxmlformats.org/presentationml/2006/main" type="twoObjAndObj" preserve="1">
+<p:sldLayout xmlns:a="http://schemas.openxmlformats.org/drawingml/2006/main" xmlns:p="http://schemas.openxmlformats.org/presentationml/2006/main" xmlns:r="http://schemas.openxmlformats.org/officeDocument/2006/relationships" xmlns:p14="http://schemas.microsoft.com/office/powerpoint/2010/main" xmlns:p15="http://schemas.microsoft.com/office/powerpoint/2012/main" xmlns:mc="http://schemas.openxmlformats.org/markup-compatibility/2006" type="twoObjAndObj" preserve="1">
   <p:cSld name="Title, 2 Content and Content">
     <p:spTree>
       <p:nvGrpSpPr>
@@ -1305,7 +1305,7 @@
 </file>
 
 <file path=ppt/slideLayouts/slideLayout2.xml><?xml version="1.0" encoding="utf-8"?>
-<p:sldLayout xmlns:a="http://schemas.openxmlformats.org/drawingml/2006/main" xmlns:p="http://schemas.openxmlformats.org/presentationml/2006/main" type="tx" preserve="1">
+<p:sldLayout xmlns:a="http://schemas.openxmlformats.org/drawingml/2006/main" xmlns:p="http://schemas.openxmlformats.org/presentationml/2006/main" xmlns:r="http://schemas.openxmlformats.org/officeDocument/2006/relationships" xmlns:p14="http://schemas.microsoft.com/office/powerpoint/2010/main" xmlns:p15="http://schemas.microsoft.com/office/powerpoint/2012/main" xmlns:mc="http://schemas.openxmlformats.org/markup-compatibility/2006" type="tx" preserve="1">
   <p:cSld name="Title Slide">
     <p:spTree>
       <p:nvGrpSpPr>
@@ -1403,7 +1403,7 @@
 </file>
 
 <file path=ppt/slideLayouts/slideLayout20.xml><?xml version="1.0" encoding="utf-8"?>
-<p:sldLayout xmlns:a="http://schemas.openxmlformats.org/drawingml/2006/main" xmlns:p="http://schemas.openxmlformats.org/presentationml/2006/main" type="objAndTwoObj" preserve="1">
+<p:sldLayout xmlns:a="http://schemas.openxmlformats.org/drawingml/2006/main" xmlns:p="http://schemas.openxmlformats.org/presentationml/2006/main" xmlns:r="http://schemas.openxmlformats.org/officeDocument/2006/relationships" xmlns:p14="http://schemas.microsoft.com/office/powerpoint/2010/main" xmlns:p15="http://schemas.microsoft.com/office/powerpoint/2012/main" xmlns:mc="http://schemas.openxmlformats.org/markup-compatibility/2006" type="objAndTwoObj" preserve="1">
   <p:cSld name="Title Content and 2 Content">
     <p:spTree>
       <p:nvGrpSpPr>
@@ -1574,7 +1574,7 @@
 </file>
 
 <file path=ppt/slideLayouts/slideLayout21.xml><?xml version="1.0" encoding="utf-8"?>
-<p:sldLayout xmlns:a="http://schemas.openxmlformats.org/drawingml/2006/main" xmlns:p="http://schemas.openxmlformats.org/presentationml/2006/main" type="twoObjOverTx" preserve="1">
+<p:sldLayout xmlns:a="http://schemas.openxmlformats.org/drawingml/2006/main" xmlns:p="http://schemas.openxmlformats.org/presentationml/2006/main" xmlns:r="http://schemas.openxmlformats.org/officeDocument/2006/relationships" xmlns:p14="http://schemas.microsoft.com/office/powerpoint/2010/main" xmlns:p15="http://schemas.microsoft.com/office/powerpoint/2012/main" xmlns:mc="http://schemas.openxmlformats.org/markup-compatibility/2006" type="twoObjOverTx" preserve="1">
   <p:cSld name="Title, 2 Content over Content">
     <p:spTree>
       <p:nvGrpSpPr>
@@ -1745,7 +1745,7 @@
 </file>
 
 <file path=ppt/slideLayouts/slideLayout22.xml><?xml version="1.0" encoding="utf-8"?>
-<p:sldLayout xmlns:a="http://schemas.openxmlformats.org/drawingml/2006/main" xmlns:p="http://schemas.openxmlformats.org/presentationml/2006/main" type="objOverTx" preserve="1">
+<p:sldLayout xmlns:a="http://schemas.openxmlformats.org/drawingml/2006/main" xmlns:p="http://schemas.openxmlformats.org/presentationml/2006/main" xmlns:r="http://schemas.openxmlformats.org/officeDocument/2006/relationships" xmlns:p14="http://schemas.microsoft.com/office/powerpoint/2010/main" xmlns:p15="http://schemas.microsoft.com/office/powerpoint/2012/main" xmlns:mc="http://schemas.openxmlformats.org/markup-compatibility/2006" type="objOverTx" preserve="1">
   <p:cSld name="Title, Content over Content">
     <p:spTree>
       <p:nvGrpSpPr>
@@ -1879,7 +1879,7 @@
 </file>
 
 <file path=ppt/slideLayouts/slideLayout23.xml><?xml version="1.0" encoding="utf-8"?>
-<p:sldLayout xmlns:a="http://schemas.openxmlformats.org/drawingml/2006/main" xmlns:p="http://schemas.openxmlformats.org/presentationml/2006/main" type="fourObj" preserve="1">
+<p:sldLayout xmlns:a="http://schemas.openxmlformats.org/drawingml/2006/main" xmlns:p="http://schemas.openxmlformats.org/presentationml/2006/main" xmlns:r="http://schemas.openxmlformats.org/officeDocument/2006/relationships" xmlns:p14="http://schemas.microsoft.com/office/powerpoint/2010/main" xmlns:p15="http://schemas.microsoft.com/office/powerpoint/2012/main" xmlns:mc="http://schemas.openxmlformats.org/markup-compatibility/2006" type="fourObj" preserve="1">
   <p:cSld name="Title, 4 Content">
     <p:spTree>
       <p:nvGrpSpPr>
@@ -2087,7 +2087,7 @@
 </file>
 
 <file path=ppt/slideLayouts/slideLayout24.xml><?xml version="1.0" encoding="utf-8"?>
-<p:sldLayout xmlns:a="http://schemas.openxmlformats.org/drawingml/2006/main" xmlns:p="http://schemas.openxmlformats.org/presentationml/2006/main" type="blank" preserve="1">
+<p:sldLayout xmlns:a="http://schemas.openxmlformats.org/drawingml/2006/main" xmlns:p="http://schemas.openxmlformats.org/presentationml/2006/main" xmlns:r="http://schemas.openxmlformats.org/officeDocument/2006/relationships" xmlns:p14="http://schemas.microsoft.com/office/powerpoint/2010/main" xmlns:p15="http://schemas.microsoft.com/office/powerpoint/2012/main" xmlns:mc="http://schemas.openxmlformats.org/markup-compatibility/2006" type="blank" preserve="1">
   <p:cSld name="Title, 6 Content">
     <p:spTree>
       <p:nvGrpSpPr>
@@ -2369,7 +2369,7 @@
 </file>
 
 <file path=ppt/slideLayouts/slideLayout25.xml><?xml version="1.0" encoding="utf-8"?>
-<p:sldLayout xmlns:a="http://schemas.openxmlformats.org/drawingml/2006/main" xmlns:p="http://schemas.openxmlformats.org/presentationml/2006/main" type="blank" preserve="1">
+<p:sldLayout xmlns:a="http://schemas.openxmlformats.org/drawingml/2006/main" xmlns:p="http://schemas.openxmlformats.org/presentationml/2006/main" xmlns:r="http://schemas.openxmlformats.org/officeDocument/2006/relationships" xmlns:p14="http://schemas.microsoft.com/office/powerpoint/2010/main" xmlns:p15="http://schemas.microsoft.com/office/powerpoint/2012/main" xmlns:mc="http://schemas.openxmlformats.org/markup-compatibility/2006" type="blank" preserve="1">
   <p:cSld name="Blank Slide">
     <p:spTree>
       <p:nvGrpSpPr>
@@ -2391,7 +2391,7 @@
 </file>
 
 <file path=ppt/slideLayouts/slideLayout26.xml><?xml version="1.0" encoding="utf-8"?>
-<p:sldLayout xmlns:a="http://schemas.openxmlformats.org/drawingml/2006/main" xmlns:p="http://schemas.openxmlformats.org/presentationml/2006/main" type="tx" preserve="1">
+<p:sldLayout xmlns:a="http://schemas.openxmlformats.org/drawingml/2006/main" xmlns:p="http://schemas.openxmlformats.org/presentationml/2006/main" xmlns:r="http://schemas.openxmlformats.org/officeDocument/2006/relationships" xmlns:p14="http://schemas.microsoft.com/office/powerpoint/2010/main" xmlns:p15="http://schemas.microsoft.com/office/powerpoint/2012/main" xmlns:mc="http://schemas.openxmlformats.org/markup-compatibility/2006" type="tx" preserve="1">
   <p:cSld name="Title Slide">
     <p:spTree>
       <p:nvGrpSpPr>
@@ -2489,7 +2489,7 @@
 </file>
 
 <file path=ppt/slideLayouts/slideLayout27.xml><?xml version="1.0" encoding="utf-8"?>
-<p:sldLayout xmlns:a="http://schemas.openxmlformats.org/drawingml/2006/main" xmlns:p="http://schemas.openxmlformats.org/presentationml/2006/main" type="obj" preserve="1">
+<p:sldLayout xmlns:a="http://schemas.openxmlformats.org/drawingml/2006/main" xmlns:p="http://schemas.openxmlformats.org/presentationml/2006/main" xmlns:r="http://schemas.openxmlformats.org/officeDocument/2006/relationships" xmlns:p14="http://schemas.microsoft.com/office/powerpoint/2010/main" xmlns:p15="http://schemas.microsoft.com/office/powerpoint/2012/main" xmlns:mc="http://schemas.openxmlformats.org/markup-compatibility/2006" type="obj" preserve="1">
   <p:cSld name="Title, Content">
     <p:spTree>
       <p:nvGrpSpPr>
@@ -2586,7 +2586,7 @@
 </file>
 
 <file path=ppt/slideLayouts/slideLayout28.xml><?xml version="1.0" encoding="utf-8"?>
-<p:sldLayout xmlns:a="http://schemas.openxmlformats.org/drawingml/2006/main" xmlns:p="http://schemas.openxmlformats.org/presentationml/2006/main" type="twoObj" preserve="1">
+<p:sldLayout xmlns:a="http://schemas.openxmlformats.org/drawingml/2006/main" xmlns:p="http://schemas.openxmlformats.org/presentationml/2006/main" xmlns:r="http://schemas.openxmlformats.org/officeDocument/2006/relationships" xmlns:p14="http://schemas.microsoft.com/office/powerpoint/2010/main" xmlns:p15="http://schemas.microsoft.com/office/powerpoint/2012/main" xmlns:mc="http://schemas.openxmlformats.org/markup-compatibility/2006" type="twoObj" preserve="1">
   <p:cSld name="Title, 2 Content">
     <p:spTree>
       <p:nvGrpSpPr>
@@ -2720,7 +2720,7 @@
 </file>
 
 <file path=ppt/slideLayouts/slideLayout29.xml><?xml version="1.0" encoding="utf-8"?>
-<p:sldLayout xmlns:a="http://schemas.openxmlformats.org/drawingml/2006/main" xmlns:p="http://schemas.openxmlformats.org/presentationml/2006/main" type="titleOnly" preserve="1">
+<p:sldLayout xmlns:a="http://schemas.openxmlformats.org/drawingml/2006/main" xmlns:p="http://schemas.openxmlformats.org/presentationml/2006/main" xmlns:r="http://schemas.openxmlformats.org/officeDocument/2006/relationships" xmlns:p14="http://schemas.microsoft.com/office/powerpoint/2010/main" xmlns:p15="http://schemas.microsoft.com/office/powerpoint/2012/main" xmlns:mc="http://schemas.openxmlformats.org/markup-compatibility/2006" type="titleOnly" preserve="1">
   <p:cSld name="Title Only">
     <p:spTree>
       <p:nvGrpSpPr>
@@ -2780,7 +2780,7 @@
 </file>
 
 <file path=ppt/slideLayouts/slideLayout3.xml><?xml version="1.0" encoding="utf-8"?>
-<p:sldLayout xmlns:a="http://schemas.openxmlformats.org/drawingml/2006/main" xmlns:p="http://schemas.openxmlformats.org/presentationml/2006/main" type="obj" preserve="1">
+<p:sldLayout xmlns:a="http://schemas.openxmlformats.org/drawingml/2006/main" xmlns:p="http://schemas.openxmlformats.org/presentationml/2006/main" xmlns:r="http://schemas.openxmlformats.org/officeDocument/2006/relationships" xmlns:p14="http://schemas.microsoft.com/office/powerpoint/2010/main" xmlns:p15="http://schemas.microsoft.com/office/powerpoint/2012/main" xmlns:mc="http://schemas.openxmlformats.org/markup-compatibility/2006" type="obj" preserve="1">
   <p:cSld name="Title, Content">
     <p:spTree>
       <p:nvGrpSpPr>
@@ -2877,7 +2877,7 @@
 </file>
 
 <file path=ppt/slideLayouts/slideLayout30.xml><?xml version="1.0" encoding="utf-8"?>
-<p:sldLayout xmlns:a="http://schemas.openxmlformats.org/drawingml/2006/main" xmlns:p="http://schemas.openxmlformats.org/presentationml/2006/main" type="objOnly" preserve="1">
+<p:sldLayout xmlns:a="http://schemas.openxmlformats.org/drawingml/2006/main" xmlns:p="http://schemas.openxmlformats.org/presentationml/2006/main" xmlns:r="http://schemas.openxmlformats.org/officeDocument/2006/relationships" xmlns:p14="http://schemas.microsoft.com/office/powerpoint/2010/main" xmlns:p15="http://schemas.microsoft.com/office/powerpoint/2012/main" xmlns:mc="http://schemas.openxmlformats.org/markup-compatibility/2006" type="objOnly" preserve="1">
   <p:cSld name="Centered Text">
     <p:spTree>
       <p:nvGrpSpPr>
@@ -2937,7 +2937,7 @@
 </file>
 
 <file path=ppt/slideLayouts/slideLayout31.xml><?xml version="1.0" encoding="utf-8"?>
-<p:sldLayout xmlns:a="http://schemas.openxmlformats.org/drawingml/2006/main" xmlns:p="http://schemas.openxmlformats.org/presentationml/2006/main" type="twoObjAndObj" preserve="1">
+<p:sldLayout xmlns:a="http://schemas.openxmlformats.org/drawingml/2006/main" xmlns:p="http://schemas.openxmlformats.org/presentationml/2006/main" xmlns:r="http://schemas.openxmlformats.org/officeDocument/2006/relationships" xmlns:p14="http://schemas.microsoft.com/office/powerpoint/2010/main" xmlns:p15="http://schemas.microsoft.com/office/powerpoint/2012/main" xmlns:mc="http://schemas.openxmlformats.org/markup-compatibility/2006" type="twoObjAndObj" preserve="1">
   <p:cSld name="Title, 2 Content and Content">
     <p:spTree>
       <p:nvGrpSpPr>
@@ -3108,7 +3108,7 @@
 </file>
 
 <file path=ppt/slideLayouts/slideLayout32.xml><?xml version="1.0" encoding="utf-8"?>
-<p:sldLayout xmlns:a="http://schemas.openxmlformats.org/drawingml/2006/main" xmlns:p="http://schemas.openxmlformats.org/presentationml/2006/main" type="objAndTwoObj" preserve="1">
+<p:sldLayout xmlns:a="http://schemas.openxmlformats.org/drawingml/2006/main" xmlns:p="http://schemas.openxmlformats.org/presentationml/2006/main" xmlns:r="http://schemas.openxmlformats.org/officeDocument/2006/relationships" xmlns:p14="http://schemas.microsoft.com/office/powerpoint/2010/main" xmlns:p15="http://schemas.microsoft.com/office/powerpoint/2012/main" xmlns:mc="http://schemas.openxmlformats.org/markup-compatibility/2006" type="objAndTwoObj" preserve="1">
   <p:cSld name="Title Content and 2 Content">
     <p:spTree>
       <p:nvGrpSpPr>
@@ -3279,7 +3279,7 @@
 </file>
 
 <file path=ppt/slideLayouts/slideLayout33.xml><?xml version="1.0" encoding="utf-8"?>
-<p:sldLayout xmlns:a="http://schemas.openxmlformats.org/drawingml/2006/main" xmlns:p="http://schemas.openxmlformats.org/presentationml/2006/main" type="twoObjOverTx" preserve="1">
+<p:sldLayout xmlns:a="http://schemas.openxmlformats.org/drawingml/2006/main" xmlns:p="http://schemas.openxmlformats.org/presentationml/2006/main" xmlns:r="http://schemas.openxmlformats.org/officeDocument/2006/relationships" xmlns:p14="http://schemas.microsoft.com/office/powerpoint/2010/main" xmlns:p15="http://schemas.microsoft.com/office/powerpoint/2012/main" xmlns:mc="http://schemas.openxmlformats.org/markup-compatibility/2006" type="twoObjOverTx" preserve="1">
   <p:cSld name="Title, 2 Content over Content">
     <p:spTree>
       <p:nvGrpSpPr>
@@ -3450,7 +3450,7 @@
 </file>
 
 <file path=ppt/slideLayouts/slideLayout34.xml><?xml version="1.0" encoding="utf-8"?>
-<p:sldLayout xmlns:a="http://schemas.openxmlformats.org/drawingml/2006/main" xmlns:p="http://schemas.openxmlformats.org/presentationml/2006/main" type="objOverTx" preserve="1">
+<p:sldLayout xmlns:a="http://schemas.openxmlformats.org/drawingml/2006/main" xmlns:p="http://schemas.openxmlformats.org/presentationml/2006/main" xmlns:r="http://schemas.openxmlformats.org/officeDocument/2006/relationships" xmlns:p14="http://schemas.microsoft.com/office/powerpoint/2010/main" xmlns:p15="http://schemas.microsoft.com/office/powerpoint/2012/main" xmlns:mc="http://schemas.openxmlformats.org/markup-compatibility/2006" type="objOverTx" preserve="1">
   <p:cSld name="Title, Content over Content">
     <p:spTree>
       <p:nvGrpSpPr>
@@ -3584,7 +3584,7 @@
 </file>
 
 <file path=ppt/slideLayouts/slideLayout35.xml><?xml version="1.0" encoding="utf-8"?>
-<p:sldLayout xmlns:a="http://schemas.openxmlformats.org/drawingml/2006/main" xmlns:p="http://schemas.openxmlformats.org/presentationml/2006/main" type="fourObj" preserve="1">
+<p:sldLayout xmlns:a="http://schemas.openxmlformats.org/drawingml/2006/main" xmlns:p="http://schemas.openxmlformats.org/presentationml/2006/main" xmlns:r="http://schemas.openxmlformats.org/officeDocument/2006/relationships" xmlns:p14="http://schemas.microsoft.com/office/powerpoint/2010/main" xmlns:p15="http://schemas.microsoft.com/office/powerpoint/2012/main" xmlns:mc="http://schemas.openxmlformats.org/markup-compatibility/2006" type="fourObj" preserve="1">
   <p:cSld name="Title, 4 Content">
     <p:spTree>
       <p:nvGrpSpPr>
@@ -3792,7 +3792,7 @@
 </file>
 
 <file path=ppt/slideLayouts/slideLayout36.xml><?xml version="1.0" encoding="utf-8"?>
-<p:sldLayout xmlns:a="http://schemas.openxmlformats.org/drawingml/2006/main" xmlns:p="http://schemas.openxmlformats.org/presentationml/2006/main" type="blank" preserve="1">
+<p:sldLayout xmlns:a="http://schemas.openxmlformats.org/drawingml/2006/main" xmlns:p="http://schemas.openxmlformats.org/presentationml/2006/main" xmlns:r="http://schemas.openxmlformats.org/officeDocument/2006/relationships" xmlns:p14="http://schemas.microsoft.com/office/powerpoint/2010/main" xmlns:p15="http://schemas.microsoft.com/office/powerpoint/2012/main" xmlns:mc="http://schemas.openxmlformats.org/markup-compatibility/2006" type="blank" preserve="1">
   <p:cSld name="Title, 6 Content">
     <p:spTree>
       <p:nvGrpSpPr>
@@ -4074,7 +4074,7 @@
 </file>
 
 <file path=ppt/slideLayouts/slideLayout37.xml><?xml version="1.0" encoding="utf-8"?>
-<p:sldLayout xmlns:a="http://schemas.openxmlformats.org/drawingml/2006/main" xmlns:p="http://schemas.openxmlformats.org/presentationml/2006/main" type="blank" preserve="1">
+<p:sldLayout xmlns:a="http://schemas.openxmlformats.org/drawingml/2006/main" xmlns:p="http://schemas.openxmlformats.org/presentationml/2006/main" xmlns:r="http://schemas.openxmlformats.org/officeDocument/2006/relationships" xmlns:p14="http://schemas.microsoft.com/office/powerpoint/2010/main" xmlns:p15="http://schemas.microsoft.com/office/powerpoint/2012/main" xmlns:mc="http://schemas.openxmlformats.org/markup-compatibility/2006" type="blank" preserve="1">
   <p:cSld name="Blank Slide">
     <p:spTree>
       <p:nvGrpSpPr>
@@ -4096,7 +4096,7 @@
 </file>
 
 <file path=ppt/slideLayouts/slideLayout38.xml><?xml version="1.0" encoding="utf-8"?>
-<p:sldLayout xmlns:a="http://schemas.openxmlformats.org/drawingml/2006/main" xmlns:p="http://schemas.openxmlformats.org/presentationml/2006/main" type="tx" preserve="1">
+<p:sldLayout xmlns:a="http://schemas.openxmlformats.org/drawingml/2006/main" xmlns:p="http://schemas.openxmlformats.org/presentationml/2006/main" xmlns:r="http://schemas.openxmlformats.org/officeDocument/2006/relationships" xmlns:p14="http://schemas.microsoft.com/office/powerpoint/2010/main" xmlns:p15="http://schemas.microsoft.com/office/powerpoint/2012/main" xmlns:mc="http://schemas.openxmlformats.org/markup-compatibility/2006" type="tx" preserve="1">
   <p:cSld name="Title Slide">
     <p:spTree>
       <p:nvGrpSpPr>
@@ -4194,7 +4194,7 @@
 </file>
 
 <file path=ppt/slideLayouts/slideLayout39.xml><?xml version="1.0" encoding="utf-8"?>
-<p:sldLayout xmlns:a="http://schemas.openxmlformats.org/drawingml/2006/main" xmlns:p="http://schemas.openxmlformats.org/presentationml/2006/main" type="obj" preserve="1">
+<p:sldLayout xmlns:a="http://schemas.openxmlformats.org/drawingml/2006/main" xmlns:p="http://schemas.openxmlformats.org/presentationml/2006/main" xmlns:r="http://schemas.openxmlformats.org/officeDocument/2006/relationships" xmlns:p14="http://schemas.microsoft.com/office/powerpoint/2010/main" xmlns:p15="http://schemas.microsoft.com/office/powerpoint/2012/main" xmlns:mc="http://schemas.openxmlformats.org/markup-compatibility/2006" type="obj" preserve="1">
   <p:cSld name="Title, Content">
     <p:spTree>
       <p:nvGrpSpPr>
@@ -4291,7 +4291,7 @@
 </file>
 
 <file path=ppt/slideLayouts/slideLayout4.xml><?xml version="1.0" encoding="utf-8"?>
-<p:sldLayout xmlns:a="http://schemas.openxmlformats.org/drawingml/2006/main" xmlns:p="http://schemas.openxmlformats.org/presentationml/2006/main" type="twoObj" preserve="1">
+<p:sldLayout xmlns:a="http://schemas.openxmlformats.org/drawingml/2006/main" xmlns:p="http://schemas.openxmlformats.org/presentationml/2006/main" xmlns:r="http://schemas.openxmlformats.org/officeDocument/2006/relationships" xmlns:p14="http://schemas.microsoft.com/office/powerpoint/2010/main" xmlns:p15="http://schemas.microsoft.com/office/powerpoint/2012/main" xmlns:mc="http://schemas.openxmlformats.org/markup-compatibility/2006" type="twoObj" preserve="1">
   <p:cSld name="Title, 2 Content">
     <p:spTree>
       <p:nvGrpSpPr>
@@ -4425,7 +4425,7 @@
 </file>
 
 <file path=ppt/slideLayouts/slideLayout40.xml><?xml version="1.0" encoding="utf-8"?>
-<p:sldLayout xmlns:a="http://schemas.openxmlformats.org/drawingml/2006/main" xmlns:p="http://schemas.openxmlformats.org/presentationml/2006/main" type="twoObj" preserve="1">
+<p:sldLayout xmlns:a="http://schemas.openxmlformats.org/drawingml/2006/main" xmlns:p="http://schemas.openxmlformats.org/presentationml/2006/main" xmlns:r="http://schemas.openxmlformats.org/officeDocument/2006/relationships" xmlns:p14="http://schemas.microsoft.com/office/powerpoint/2010/main" xmlns:p15="http://schemas.microsoft.com/office/powerpoint/2012/main" xmlns:mc="http://schemas.openxmlformats.org/markup-compatibility/2006" type="twoObj" preserve="1">
   <p:cSld name="Title, 2 Content">
     <p:spTree>
       <p:nvGrpSpPr>
@@ -4559,7 +4559,7 @@
 </file>
 
 <file path=ppt/slideLayouts/slideLayout41.xml><?xml version="1.0" encoding="utf-8"?>
-<p:sldLayout xmlns:a="http://schemas.openxmlformats.org/drawingml/2006/main" xmlns:p="http://schemas.openxmlformats.org/presentationml/2006/main" type="titleOnly" preserve="1">
+<p:sldLayout xmlns:a="http://schemas.openxmlformats.org/drawingml/2006/main" xmlns:p="http://schemas.openxmlformats.org/presentationml/2006/main" xmlns:r="http://schemas.openxmlformats.org/officeDocument/2006/relationships" xmlns:p14="http://schemas.microsoft.com/office/powerpoint/2010/main" xmlns:p15="http://schemas.microsoft.com/office/powerpoint/2012/main" xmlns:mc="http://schemas.openxmlformats.org/markup-compatibility/2006" type="titleOnly" preserve="1">
   <p:cSld name="Title Only">
     <p:spTree>
       <p:nvGrpSpPr>
@@ -4619,7 +4619,7 @@
 </file>
 
 <file path=ppt/slideLayouts/slideLayout42.xml><?xml version="1.0" encoding="utf-8"?>
-<p:sldLayout xmlns:a="http://schemas.openxmlformats.org/drawingml/2006/main" xmlns:p="http://schemas.openxmlformats.org/presentationml/2006/main" type="objOnly" preserve="1">
+<p:sldLayout xmlns:a="http://schemas.openxmlformats.org/drawingml/2006/main" xmlns:p="http://schemas.openxmlformats.org/presentationml/2006/main" xmlns:r="http://schemas.openxmlformats.org/officeDocument/2006/relationships" xmlns:p14="http://schemas.microsoft.com/office/powerpoint/2010/main" xmlns:p15="http://schemas.microsoft.com/office/powerpoint/2012/main" xmlns:mc="http://schemas.openxmlformats.org/markup-compatibility/2006" type="objOnly" preserve="1">
   <p:cSld name="Centered Text">
     <p:spTree>
       <p:nvGrpSpPr>
@@ -4679,7 +4679,7 @@
 </file>
 
 <file path=ppt/slideLayouts/slideLayout43.xml><?xml version="1.0" encoding="utf-8"?>
-<p:sldLayout xmlns:a="http://schemas.openxmlformats.org/drawingml/2006/main" xmlns:p="http://schemas.openxmlformats.org/presentationml/2006/main" type="twoObjAndObj" preserve="1">
+<p:sldLayout xmlns:a="http://schemas.openxmlformats.org/drawingml/2006/main" xmlns:p="http://schemas.openxmlformats.org/presentationml/2006/main" xmlns:r="http://schemas.openxmlformats.org/officeDocument/2006/relationships" xmlns:p14="http://schemas.microsoft.com/office/powerpoint/2010/main" xmlns:p15="http://schemas.microsoft.com/office/powerpoint/2012/main" xmlns:mc="http://schemas.openxmlformats.org/markup-compatibility/2006" type="twoObjAndObj" preserve="1">
   <p:cSld name="Title, 2 Content and Content">
     <p:spTree>
       <p:nvGrpSpPr>
@@ -4850,7 +4850,7 @@
 </file>
 
 <file path=ppt/slideLayouts/slideLayout44.xml><?xml version="1.0" encoding="utf-8"?>
-<p:sldLayout xmlns:a="http://schemas.openxmlformats.org/drawingml/2006/main" xmlns:p="http://schemas.openxmlformats.org/presentationml/2006/main" type="objAndTwoObj" preserve="1">
+<p:sldLayout xmlns:a="http://schemas.openxmlformats.org/drawingml/2006/main" xmlns:p="http://schemas.openxmlformats.org/presentationml/2006/main" xmlns:r="http://schemas.openxmlformats.org/officeDocument/2006/relationships" xmlns:p14="http://schemas.microsoft.com/office/powerpoint/2010/main" xmlns:p15="http://schemas.microsoft.com/office/powerpoint/2012/main" xmlns:mc="http://schemas.openxmlformats.org/markup-compatibility/2006" type="objAndTwoObj" preserve="1">
   <p:cSld name="Title Content and 2 Content">
     <p:spTree>
       <p:nvGrpSpPr>
@@ -5021,7 +5021,7 @@
 </file>
 
 <file path=ppt/slideLayouts/slideLayout45.xml><?xml version="1.0" encoding="utf-8"?>
-<p:sldLayout xmlns:a="http://schemas.openxmlformats.org/drawingml/2006/main" xmlns:p="http://schemas.openxmlformats.org/presentationml/2006/main" type="twoObjOverTx" preserve="1">
+<p:sldLayout xmlns:a="http://schemas.openxmlformats.org/drawingml/2006/main" xmlns:p="http://schemas.openxmlformats.org/presentationml/2006/main" xmlns:r="http://schemas.openxmlformats.org/officeDocument/2006/relationships" xmlns:p14="http://schemas.microsoft.com/office/powerpoint/2010/main" xmlns:p15="http://schemas.microsoft.com/office/powerpoint/2012/main" xmlns:mc="http://schemas.openxmlformats.org/markup-compatibility/2006" type="twoObjOverTx" preserve="1">
   <p:cSld name="Title, 2 Content over Content">
     <p:spTree>
       <p:nvGrpSpPr>
@@ -5192,7 +5192,7 @@
 </file>
 
 <file path=ppt/slideLayouts/slideLayout46.xml><?xml version="1.0" encoding="utf-8"?>
-<p:sldLayout xmlns:a="http://schemas.openxmlformats.org/drawingml/2006/main" xmlns:p="http://schemas.openxmlformats.org/presentationml/2006/main" type="objOverTx" preserve="1">
+<p:sldLayout xmlns:a="http://schemas.openxmlformats.org/drawingml/2006/main" xmlns:p="http://schemas.openxmlformats.org/presentationml/2006/main" xmlns:r="http://schemas.openxmlformats.org/officeDocument/2006/relationships" xmlns:p14="http://schemas.microsoft.com/office/powerpoint/2010/main" xmlns:p15="http://schemas.microsoft.com/office/powerpoint/2012/main" xmlns:mc="http://schemas.openxmlformats.org/markup-compatibility/2006" type="objOverTx" preserve="1">
   <p:cSld name="Title, Content over Content">
     <p:spTree>
       <p:nvGrpSpPr>
@@ -5326,7 +5326,7 @@
 </file>
 
 <file path=ppt/slideLayouts/slideLayout47.xml><?xml version="1.0" encoding="utf-8"?>
-<p:sldLayout xmlns:a="http://schemas.openxmlformats.org/drawingml/2006/main" xmlns:p="http://schemas.openxmlformats.org/presentationml/2006/main" type="fourObj" preserve="1">
+<p:sldLayout xmlns:a="http://schemas.openxmlformats.org/drawingml/2006/main" xmlns:p="http://schemas.openxmlformats.org/presentationml/2006/main" xmlns:r="http://schemas.openxmlformats.org/officeDocument/2006/relationships" xmlns:p14="http://schemas.microsoft.com/office/powerpoint/2010/main" xmlns:p15="http://schemas.microsoft.com/office/powerpoint/2012/main" xmlns:mc="http://schemas.openxmlformats.org/markup-compatibility/2006" type="fourObj" preserve="1">
   <p:cSld name="Title, 4 Content">
     <p:spTree>
       <p:nvGrpSpPr>
@@ -5534,7 +5534,7 @@
 </file>
 
 <file path=ppt/slideLayouts/slideLayout48.xml><?xml version="1.0" encoding="utf-8"?>
-<p:sldLayout xmlns:a="http://schemas.openxmlformats.org/drawingml/2006/main" xmlns:p="http://schemas.openxmlformats.org/presentationml/2006/main" type="blank" preserve="1">
+<p:sldLayout xmlns:a="http://schemas.openxmlformats.org/drawingml/2006/main" xmlns:p="http://schemas.openxmlformats.org/presentationml/2006/main" xmlns:r="http://schemas.openxmlformats.org/officeDocument/2006/relationships" xmlns:p14="http://schemas.microsoft.com/office/powerpoint/2010/main" xmlns:p15="http://schemas.microsoft.com/office/powerpoint/2012/main" xmlns:mc="http://schemas.openxmlformats.org/markup-compatibility/2006" type="blank" preserve="1">
   <p:cSld name="Title, 6 Content">
     <p:spTree>
       <p:nvGrpSpPr>
@@ -5816,7 +5816,7 @@
 </file>
 
 <file path=ppt/slideLayouts/slideLayout5.xml><?xml version="1.0" encoding="utf-8"?>
-<p:sldLayout xmlns:a="http://schemas.openxmlformats.org/drawingml/2006/main" xmlns:p="http://schemas.openxmlformats.org/presentationml/2006/main" type="titleOnly" preserve="1">
+<p:sldLayout xmlns:a="http://schemas.openxmlformats.org/drawingml/2006/main" xmlns:p="http://schemas.openxmlformats.org/presentationml/2006/main" xmlns:r="http://schemas.openxmlformats.org/officeDocument/2006/relationships" xmlns:p14="http://schemas.microsoft.com/office/powerpoint/2010/main" xmlns:p15="http://schemas.microsoft.com/office/powerpoint/2012/main" xmlns:mc="http://schemas.openxmlformats.org/markup-compatibility/2006" type="titleOnly" preserve="1">
   <p:cSld name="Title Only">
     <p:spTree>
       <p:nvGrpSpPr>
@@ -5876,7 +5876,7 @@
 </file>
 
 <file path=ppt/slideLayouts/slideLayout6.xml><?xml version="1.0" encoding="utf-8"?>
-<p:sldLayout xmlns:a="http://schemas.openxmlformats.org/drawingml/2006/main" xmlns:p="http://schemas.openxmlformats.org/presentationml/2006/main" type="objOnly" preserve="1">
+<p:sldLayout xmlns:a="http://schemas.openxmlformats.org/drawingml/2006/main" xmlns:p="http://schemas.openxmlformats.org/presentationml/2006/main" xmlns:r="http://schemas.openxmlformats.org/officeDocument/2006/relationships" xmlns:p14="http://schemas.microsoft.com/office/powerpoint/2010/main" xmlns:p15="http://schemas.microsoft.com/office/powerpoint/2012/main" xmlns:mc="http://schemas.openxmlformats.org/markup-compatibility/2006" type="objOnly" preserve="1">
   <p:cSld name="Centered Text">
     <p:spTree>
       <p:nvGrpSpPr>
@@ -5936,7 +5936,7 @@
 </file>
 
 <file path=ppt/slideLayouts/slideLayout7.xml><?xml version="1.0" encoding="utf-8"?>
-<p:sldLayout xmlns:a="http://schemas.openxmlformats.org/drawingml/2006/main" xmlns:p="http://schemas.openxmlformats.org/presentationml/2006/main" type="twoObjAndObj" preserve="1">
+<p:sldLayout xmlns:a="http://schemas.openxmlformats.org/drawingml/2006/main" xmlns:p="http://schemas.openxmlformats.org/presentationml/2006/main" xmlns:r="http://schemas.openxmlformats.org/officeDocument/2006/relationships" xmlns:p14="http://schemas.microsoft.com/office/powerpoint/2010/main" xmlns:p15="http://schemas.microsoft.com/office/powerpoint/2012/main" xmlns:mc="http://schemas.openxmlformats.org/markup-compatibility/2006" type="twoObjAndObj" preserve="1">
   <p:cSld name="Title, 2 Content and Content">
     <p:spTree>
       <p:nvGrpSpPr>
@@ -6107,7 +6107,7 @@
 </file>
 
 <file path=ppt/slideLayouts/slideLayout8.xml><?xml version="1.0" encoding="utf-8"?>
-<p:sldLayout xmlns:a="http://schemas.openxmlformats.org/drawingml/2006/main" xmlns:p="http://schemas.openxmlformats.org/presentationml/2006/main" type="objAndTwoObj" preserve="1">
+<p:sldLayout xmlns:a="http://schemas.openxmlformats.org/drawingml/2006/main" xmlns:p="http://schemas.openxmlformats.org/presentationml/2006/main" xmlns:r="http://schemas.openxmlformats.org/officeDocument/2006/relationships" xmlns:p14="http://schemas.microsoft.com/office/powerpoint/2010/main" xmlns:p15="http://schemas.microsoft.com/office/powerpoint/2012/main" xmlns:mc="http://schemas.openxmlformats.org/markup-compatibility/2006" type="objAndTwoObj" preserve="1">
   <p:cSld name="Title Content and 2 Content">
     <p:spTree>
       <p:nvGrpSpPr>
@@ -6278,7 +6278,7 @@
 </file>
 
 <file path=ppt/slideLayouts/slideLayout9.xml><?xml version="1.0" encoding="utf-8"?>
-<p:sldLayout xmlns:a="http://schemas.openxmlformats.org/drawingml/2006/main" xmlns:p="http://schemas.openxmlformats.org/presentationml/2006/main" type="twoObjOverTx" preserve="1">
+<p:sldLayout xmlns:a="http://schemas.openxmlformats.org/drawingml/2006/main" xmlns:p="http://schemas.openxmlformats.org/presentationml/2006/main" xmlns:r="http://schemas.openxmlformats.org/officeDocument/2006/relationships" xmlns:p14="http://schemas.microsoft.com/office/powerpoint/2010/main" xmlns:p15="http://schemas.microsoft.com/office/powerpoint/2012/main" xmlns:mc="http://schemas.openxmlformats.org/markup-compatibility/2006" type="twoObjOverTx" preserve="1">
   <p:cSld name="Title, 2 Content over Content">
     <p:spTree>
       <p:nvGrpSpPr>
@@ -6449,7 +6449,7 @@
 </file>
 
 <file path=ppt/slideMasters/slideMaster1.xml><?xml version="1.0" encoding="utf-8"?>
-<p:sldMaster xmlns:a="http://schemas.openxmlformats.org/drawingml/2006/main" xmlns:p="http://schemas.openxmlformats.org/presentationml/2006/main" xmlns:r="http://schemas.openxmlformats.org/officeDocument/2006/relationships">
+<p:sldMaster xmlns:a="http://schemas.openxmlformats.org/drawingml/2006/main" xmlns:p="http://schemas.openxmlformats.org/presentationml/2006/main" xmlns:r="http://schemas.openxmlformats.org/officeDocument/2006/relationships" xmlns:p14="http://schemas.microsoft.com/office/powerpoint/2010/main" xmlns:p15="http://schemas.microsoft.com/office/powerpoint/2012/main" xmlns:mc="http://schemas.openxmlformats.org/markup-compatibility/2006">
   <p:cSld>
     <p:spTree>
       <p:nvGrpSpPr>
@@ -6764,7 +6764,7 @@
                 </a:solidFill>
                 <a:latin typeface="DejaVu Sans"/>
               </a:rPr>
-              <a:t> </a:t>
+              <a:t>&lt;date/time&gt;</a:t>
             </a:r>
             <a:endParaRPr b="0" lang="en-US" sz="1400" spc="-1" strike="noStrike">
               <a:solidFill>
@@ -6811,7 +6811,7 @@
                 </a:solidFill>
                 <a:latin typeface="DejaVu Sans"/>
               </a:rPr>
-              <a:t> </a:t>
+              <a:t>&lt;footer&gt;</a:t>
             </a:r>
             <a:endParaRPr b="0" lang="en-US" sz="1400" spc="-1" strike="noStrike">
               <a:solidFill>
@@ -6851,14 +6851,14 @@
           </a:bodyPr>
           <a:p>
             <a:pPr algn="r"/>
-            <a:fld id="{D36E4EFD-DC4C-4E0C-A9A5-714BE7360DB3}" type="slidenum">
+            <a:fld id="{8B4F33DD-BDE3-4ED0-BDFC-CE440A4037A6}" type="slidenum">
               <a:rPr b="0" lang="en-US" sz="1400" spc="-1" strike="noStrike">
                 <a:solidFill>
                   <a:srgbClr val="dddddd"/>
                 </a:solidFill>
                 <a:latin typeface="DejaVu Sans"/>
               </a:rPr>
-              <a:t>2</a:t>
+              <a:t>&lt;number&gt;</a:t>
             </a:fld>
             <a:endParaRPr b="0" lang="en-US" sz="1400" spc="-1" strike="noStrike">
               <a:solidFill>
@@ -7120,7 +7120,7 @@
 </file>
 
 <file path=ppt/slideMasters/slideMaster2.xml><?xml version="1.0" encoding="utf-8"?>
-<p:sldMaster xmlns:a="http://schemas.openxmlformats.org/drawingml/2006/main" xmlns:p="http://schemas.openxmlformats.org/presentationml/2006/main" xmlns:r="http://schemas.openxmlformats.org/officeDocument/2006/relationships">
+<p:sldMaster xmlns:a="http://schemas.openxmlformats.org/drawingml/2006/main" xmlns:p="http://schemas.openxmlformats.org/presentationml/2006/main" xmlns:r="http://schemas.openxmlformats.org/officeDocument/2006/relationships" xmlns:p14="http://schemas.microsoft.com/office/powerpoint/2010/main" xmlns:p15="http://schemas.microsoft.com/office/powerpoint/2012/main" xmlns:mc="http://schemas.openxmlformats.org/markup-compatibility/2006">
   <p:cSld>
     <p:spTree>
       <p:nvGrpSpPr>
@@ -7520,7 +7520,7 @@
           </a:bodyPr>
           <a:p>
             <a:pPr algn="r"/>
-            <a:fld id="{D04C8EF0-524C-4BA1-952D-29D4B813F805}" type="slidenum">
+            <a:fld id="{F3710A07-36F4-4669-9093-CF0501738F44}" type="slidenum">
               <a:rPr b="0" lang="en-US" sz="1400" spc="-1" strike="noStrike">
                 <a:solidFill>
                   <a:srgbClr val="dddddd"/>
@@ -7831,7 +7831,7 @@
 </file>
 
 <file path=ppt/slideMasters/slideMaster3.xml><?xml version="1.0" encoding="utf-8"?>
-<p:sldMaster xmlns:a="http://schemas.openxmlformats.org/drawingml/2006/main" xmlns:p="http://schemas.openxmlformats.org/presentationml/2006/main" xmlns:r="http://schemas.openxmlformats.org/officeDocument/2006/relationships">
+<p:sldMaster xmlns:a="http://schemas.openxmlformats.org/drawingml/2006/main" xmlns:p="http://schemas.openxmlformats.org/presentationml/2006/main" xmlns:r="http://schemas.openxmlformats.org/officeDocument/2006/relationships" xmlns:p14="http://schemas.microsoft.com/office/powerpoint/2010/main" xmlns:p15="http://schemas.microsoft.com/office/powerpoint/2012/main" xmlns:mc="http://schemas.openxmlformats.org/markup-compatibility/2006">
   <p:cSld>
     <p:spTree>
       <p:nvGrpSpPr>
@@ -8502,7 +8502,7 @@
           </a:bodyPr>
           <a:p>
             <a:pPr algn="r"/>
-            <a:fld id="{C6938D62-F74E-43F3-BA36-4ABC5DE6DF64}" type="slidenum">
+            <a:fld id="{9F2F2240-A715-4BD5-A21F-2574007705CA}" type="slidenum">
               <a:rPr b="0" lang="en-US" sz="1400" spc="-1" strike="noStrike">
                 <a:solidFill>
                   <a:srgbClr val="dddddd"/>
@@ -8541,7 +8541,7 @@
 </file>
 
 <file path=ppt/slideMasters/slideMaster4.xml><?xml version="1.0" encoding="utf-8"?>
-<p:sldMaster xmlns:a="http://schemas.openxmlformats.org/drawingml/2006/main" xmlns:p="http://schemas.openxmlformats.org/presentationml/2006/main" xmlns:r="http://schemas.openxmlformats.org/officeDocument/2006/relationships">
+<p:sldMaster xmlns:a="http://schemas.openxmlformats.org/drawingml/2006/main" xmlns:p="http://schemas.openxmlformats.org/presentationml/2006/main" xmlns:r="http://schemas.openxmlformats.org/officeDocument/2006/relationships" xmlns:p14="http://schemas.microsoft.com/office/powerpoint/2010/main" xmlns:p15="http://schemas.microsoft.com/office/powerpoint/2012/main" xmlns:mc="http://schemas.openxmlformats.org/markup-compatibility/2006">
   <p:cSld>
     <p:spTree>
       <p:nvGrpSpPr>
@@ -8847,7 +8847,7 @@
           </a:bodyPr>
           <a:p>
             <a:pPr algn="r"/>
-            <a:fld id="{BA9E1F75-5E2D-47FB-94C3-63FFC949B8D4}" type="slidenum">
+            <a:fld id="{0A3F6B1A-FBF9-471E-BB72-1497DE775A52}" type="slidenum">
               <a:rPr b="0" lang="en-US" sz="1400" spc="-1" strike="noStrike">
                 <a:solidFill>
                   <a:srgbClr val="dddddd"/>
@@ -9158,7 +9158,7 @@
 </file>
 
 <file path=ppt/slides/slide1.xml><?xml version="1.0" encoding="utf-8"?>
-<p:sld xmlns:a="http://schemas.openxmlformats.org/drawingml/2006/main" xmlns:mc="http://schemas.openxmlformats.org/markup-compatibility/2006" xmlns:p="http://schemas.openxmlformats.org/presentationml/2006/main" xmlns:p14="http://schemas.microsoft.com/office/powerpoint/2010/main">
+<p:sld xmlns:a="http://schemas.openxmlformats.org/drawingml/2006/main" xmlns:p="http://schemas.openxmlformats.org/presentationml/2006/main" xmlns:r="http://schemas.openxmlformats.org/officeDocument/2006/relationships" xmlns:p14="http://schemas.microsoft.com/office/powerpoint/2010/main" xmlns:p15="http://schemas.microsoft.com/office/powerpoint/2012/main" xmlns:mc="http://schemas.openxmlformats.org/markup-compatibility/2006">
   <p:cSld>
     <p:spTree>
       <p:nvGrpSpPr>
@@ -9204,7 +9204,7 @@
                 <a:solidFill>
                   <a:srgbClr val="000000"/>
                 </a:solidFill>
-                <a:latin typeface="DejaVu Sans"/>
+                <a:latin typeface="Arial"/>
               </a:rPr>
               <a:t>An Investigation into the use of Artifical Intelligence to create custom houses using the Unity engine.</a:t>
             </a:r>
@@ -9212,7 +9212,7 @@
               <a:solidFill>
                 <a:srgbClr val="000000"/>
               </a:solidFill>
-              <a:latin typeface="DejaVu Sans"/>
+              <a:latin typeface="Arial"/>
             </a:endParaRPr>
           </a:p>
         </p:txBody>
@@ -9225,8 +9225,8 @@
         </p:nvSpPr>
         <p:spPr>
           <a:xfrm>
-            <a:off x="2971800" y="449280"/>
-            <a:ext cx="4039560" cy="1004760"/>
+            <a:off x="2971800" y="469080"/>
+            <a:ext cx="4039560" cy="964800"/>
           </a:xfrm>
           <a:prstGeom prst="rect">
             <a:avLst/>
@@ -9247,7 +9247,7 @@
                 <a:solidFill>
                   <a:srgbClr val="333333"/>
                 </a:solidFill>
-                <a:latin typeface="DejaVu Sans"/>
+                <a:latin typeface="Arial"/>
               </a:rPr>
               <a:t>Final Year Project</a:t>
             </a:r>
@@ -9257,7 +9257,7 @@
                 <a:solidFill>
                   <a:srgbClr val="333333"/>
                 </a:solidFill>
-                <a:latin typeface="DejaVu Sans"/>
+                <a:latin typeface="Arial"/>
               </a:rPr>
               <a:t>Michael Crowley McDevitt </a:t>
             </a:r>
@@ -9266,7 +9266,7 @@
                 <a:solidFill>
                   <a:srgbClr val="333333"/>
                 </a:solidFill>
-                <a:latin typeface="DejaVu Sans"/>
+                <a:latin typeface="Arial"/>
               </a:rPr>
               <a:t>T00200043</a:t>
             </a:r>
@@ -9274,7 +9274,7 @@
               <a:solidFill>
                 <a:srgbClr val="333333"/>
               </a:solidFill>
-              <a:latin typeface="DejaVu Sans"/>
+              <a:latin typeface="Arial"/>
             </a:endParaRPr>
           </a:p>
         </p:txBody>
@@ -9293,7 +9293,7 @@
 </file>
 
 <file path=ppt/slides/slide2.xml><?xml version="1.0" encoding="utf-8"?>
-<p:sld xmlns:a="http://schemas.openxmlformats.org/drawingml/2006/main" xmlns:mc="http://schemas.openxmlformats.org/markup-compatibility/2006" xmlns:p="http://schemas.openxmlformats.org/presentationml/2006/main" xmlns:p14="http://schemas.microsoft.com/office/powerpoint/2010/main">
+<p:sld xmlns:a="http://schemas.openxmlformats.org/drawingml/2006/main" xmlns:p="http://schemas.openxmlformats.org/presentationml/2006/main" xmlns:r="http://schemas.openxmlformats.org/officeDocument/2006/relationships" xmlns:p14="http://schemas.microsoft.com/office/powerpoint/2010/main" xmlns:p15="http://schemas.microsoft.com/office/powerpoint/2012/main" xmlns:mc="http://schemas.openxmlformats.org/markup-compatibility/2006">
   <p:cSld>
     <p:spTree>
       <p:nvGrpSpPr>
@@ -9317,8 +9317,8 @@
         </p:nvSpPr>
         <p:spPr>
           <a:xfrm>
-            <a:off x="1143000" y="1371600"/>
-            <a:ext cx="7086600" cy="3657600"/>
+            <a:off x="1371600" y="1386000"/>
+            <a:ext cx="7086600" cy="3429000"/>
           </a:xfrm>
           <a:prstGeom prst="rect">
             <a:avLst/>
@@ -9338,7 +9338,7 @@
                 <a:solidFill>
                   <a:srgbClr val="000000"/>
                 </a:solidFill>
-                <a:latin typeface="DejaVu Sans"/>
+                <a:latin typeface="Arial"/>
               </a:rPr>
               <a:t>Research Area:</a:t>
             </a:r>
@@ -9355,7 +9355,7 @@
                 <a:solidFill>
                   <a:srgbClr val="000000"/>
                 </a:solidFill>
-                <a:latin typeface="DejaVu Sans"/>
+                <a:latin typeface="Arial"/>
               </a:rPr>
               <a:t>Using AI within Unity to generate housing.</a:t>
             </a:r>
@@ -9380,7 +9380,7 @@
                 <a:solidFill>
                   <a:srgbClr val="000000"/>
                 </a:solidFill>
-                <a:latin typeface="DejaVu Sans"/>
+                <a:latin typeface="Arial"/>
               </a:rPr>
               <a:t>Research Questions:</a:t>
             </a:r>
@@ -9397,7 +9397,7 @@
                 <a:solidFill>
                   <a:srgbClr val="000000"/>
                 </a:solidFill>
-                <a:latin typeface="DejaVu Sans"/>
+                <a:latin typeface="Arial"/>
               </a:rPr>
               <a:t> </a:t>
             </a:r>
@@ -9406,7 +9406,7 @@
                 <a:solidFill>
                   <a:srgbClr val="000000"/>
                 </a:solidFill>
-                <a:latin typeface="DejaVu Sans"/>
+                <a:latin typeface="Arial"/>
               </a:rPr>
               <a:t>	</a:t>
             </a:r>
@@ -9415,7 +9415,7 @@
                 <a:solidFill>
                   <a:srgbClr val="000000"/>
                 </a:solidFill>
-                <a:latin typeface="DejaVu Sans"/>
+                <a:latin typeface="Arial"/>
               </a:rPr>
               <a:t>- How to get AI to run inside Unity.</a:t>
             </a:r>
@@ -9432,7 +9432,7 @@
                 <a:solidFill>
                   <a:srgbClr val="000000"/>
                 </a:solidFill>
-                <a:latin typeface="DejaVu Sans"/>
+                <a:latin typeface="Arial"/>
               </a:rPr>
               <a:t>	</a:t>
             </a:r>
@@ -9441,7 +9441,7 @@
                 <a:solidFill>
                   <a:srgbClr val="000000"/>
                 </a:solidFill>
-                <a:latin typeface="DejaVu Sans"/>
+                <a:latin typeface="Arial"/>
               </a:rPr>
               <a:t>- How to pass parameters into it.</a:t>
             </a:r>
@@ -9458,7 +9458,7 @@
                 <a:solidFill>
                   <a:srgbClr val="000000"/>
                 </a:solidFill>
-                <a:latin typeface="DejaVu Sans"/>
+                <a:latin typeface="Arial"/>
               </a:rPr>
               <a:t>	</a:t>
             </a:r>
@@ -9467,7 +9467,7 @@
                 <a:solidFill>
                   <a:srgbClr val="000000"/>
                 </a:solidFill>
-                <a:latin typeface="DejaVu Sans"/>
+                <a:latin typeface="Arial"/>
               </a:rPr>
               <a:t>- Create pre-built models for the AI to manipulate.</a:t>
             </a:r>
@@ -9484,7 +9484,7 @@
                 <a:solidFill>
                   <a:srgbClr val="000000"/>
                 </a:solidFill>
-                <a:latin typeface="DejaVu Sans"/>
+                <a:latin typeface="Arial"/>
               </a:rPr>
               <a:t>	</a:t>
             </a:r>
@@ -9493,7 +9493,7 @@
                 <a:solidFill>
                   <a:srgbClr val="000000"/>
                 </a:solidFill>
-                <a:latin typeface="DejaVu Sans"/>
+                <a:latin typeface="Arial"/>
               </a:rPr>
               <a:t>- Let the AI run using the given parameters.</a:t>
             </a:r>
@@ -9522,7 +9522,7 @@
         </p:nvSpPr>
         <p:spPr>
           <a:xfrm>
-            <a:off x="1143000" y="424800"/>
+            <a:off x="1143000" y="439200"/>
             <a:ext cx="7086240" cy="946800"/>
           </a:xfrm>
           <a:prstGeom prst="rect">
@@ -9544,7 +9544,7 @@
                 <a:solidFill>
                   <a:srgbClr val="333333"/>
                 </a:solidFill>
-                <a:latin typeface="DejaVu Sans"/>
+                <a:latin typeface="Arial"/>
               </a:rPr>
               <a:t>Research Area &amp; Research Questions</a:t>
             </a:r>
@@ -9552,7 +9552,7 @@
               <a:solidFill>
                 <a:srgbClr val="333333"/>
               </a:solidFill>
-              <a:latin typeface="DejaVu Sans"/>
+              <a:latin typeface="Arial"/>
             </a:endParaRPr>
           </a:p>
         </p:txBody>
@@ -9568,4 +9568,908 @@
     </mc:Fallback>
   </mc:AlternateContent>
 </p:sld>
+</file>
+
+<file path=ppt/theme/theme1.xml><?xml version="1.0" encoding="utf-8"?>
+<a:theme xmlns:a="http://schemas.openxmlformats.org/drawingml/2006/main" name="Office Theme">
+  <a:themeElements>
+    <a:clrScheme name="Office">
+      <a:dk1>
+        <a:sysClr val="windowText" lastClr="000000"/>
+      </a:dk1>
+      <a:lt1>
+        <a:sysClr val="window" lastClr="FFFFFF"/>
+      </a:lt1>
+      <a:dk2>
+        <a:srgbClr val="1f497d"/>
+      </a:dk2>
+      <a:lt2>
+        <a:srgbClr val="eeece1"/>
+      </a:lt2>
+      <a:accent1>
+        <a:srgbClr val="4f81bd"/>
+      </a:accent1>
+      <a:accent2>
+        <a:srgbClr val="c0504d"/>
+      </a:accent2>
+      <a:accent3>
+        <a:srgbClr val="9bbb59"/>
+      </a:accent3>
+      <a:accent4>
+        <a:srgbClr val="8064a2"/>
+      </a:accent4>
+      <a:accent5>
+        <a:srgbClr val="4bacc6"/>
+      </a:accent5>
+      <a:accent6>
+        <a:srgbClr val="f79646"/>
+      </a:accent6>
+      <a:hlink>
+        <a:srgbClr val="0000ff"/>
+      </a:hlink>
+      <a:folHlink>
+        <a:srgbClr val="800080"/>
+      </a:folHlink>
+    </a:clrScheme>
+    <a:fontScheme name="Office">
+      <a:majorFont>
+        <a:latin typeface="Arial"/>
+        <a:ea typeface="DejaVu Sans"/>
+        <a:cs typeface="DejaVu Sans"/>
+      </a:majorFont>
+      <a:minorFont>
+        <a:latin typeface="Arial"/>
+        <a:ea typeface="DejaVu Sans"/>
+        <a:cs typeface="DejaVu Sans"/>
+      </a:minorFont>
+    </a:fontScheme>
+    <a:fmtScheme name="Office">
+      <a:fillStyleLst>
+        <a:solidFill>
+          <a:schemeClr val="phClr"/>
+        </a:solidFill>
+        <a:gradFill rotWithShape="1">
+          <a:gsLst>
+            <a:gs pos="0">
+              <a:schemeClr val="phClr">
+                <a:tint val="50000"/>
+                <a:satMod val="300000"/>
+              </a:schemeClr>
+            </a:gs>
+            <a:gs pos="35000">
+              <a:schemeClr val="phClr">
+                <a:tint val="37000"/>
+                <a:satMod val="300000"/>
+              </a:schemeClr>
+            </a:gs>
+            <a:gs pos="100000">
+              <a:schemeClr val="phClr">
+                <a:tint val="15000"/>
+                <a:satMod val="350000"/>
+              </a:schemeClr>
+            </a:gs>
+          </a:gsLst>
+          <a:lin ang="16200000" scaled="1"/>
+        </a:gradFill>
+        <a:gradFill rotWithShape="1">
+          <a:gsLst>
+            <a:gs pos="0">
+              <a:schemeClr val="phClr">
+                <a:shade val="51000"/>
+                <a:satMod val="130000"/>
+              </a:schemeClr>
+            </a:gs>
+            <a:gs pos="80000">
+              <a:schemeClr val="phClr">
+                <a:shade val="93000"/>
+                <a:satMod val="130000"/>
+              </a:schemeClr>
+            </a:gs>
+            <a:gs pos="100000">
+              <a:schemeClr val="phClr">
+                <a:shade val="94000"/>
+                <a:satMod val="135000"/>
+              </a:schemeClr>
+            </a:gs>
+          </a:gsLst>
+          <a:lin ang="16200000" scaled="0"/>
+        </a:gradFill>
+      </a:fillStyleLst>
+      <a:lnStyleLst>
+        <a:ln w="9525" cap="flat" cmpd="sng" algn="ctr">
+          <a:solidFill>
+            <a:schemeClr val="phClr">
+              <a:shade val="95000"/>
+              <a:satMod val="105000"/>
+            </a:schemeClr>
+          </a:solidFill>
+          <a:prstDash val="solid"/>
+          <a:miter/>
+        </a:ln>
+        <a:ln w="25400" cap="flat" cmpd="sng" algn="ctr">
+          <a:solidFill>
+            <a:schemeClr val="phClr"/>
+          </a:solidFill>
+          <a:prstDash val="solid"/>
+          <a:miter/>
+        </a:ln>
+        <a:ln w="38100" cap="flat" cmpd="sng" algn="ctr">
+          <a:solidFill>
+            <a:schemeClr val="phClr"/>
+          </a:solidFill>
+          <a:prstDash val="solid"/>
+          <a:miter/>
+        </a:ln>
+      </a:lnStyleLst>
+      <a:effectStyleLst>
+        <a:effectStyle>
+          <a:effectLst>
+            <a:outerShdw blurRad="40000" dist="20000" dir="5400000" rotWithShape="0">
+              <a:srgbClr val="000000">
+                <a:alpha val="38000"/>
+              </a:srgbClr>
+            </a:outerShdw>
+          </a:effectLst>
+        </a:effectStyle>
+        <a:effectStyle>
+          <a:effectLst>
+            <a:outerShdw blurRad="40000" dist="23000" dir="5400000" rotWithShape="0">
+              <a:srgbClr val="000000">
+                <a:alpha val="35000"/>
+              </a:srgbClr>
+            </a:outerShdw>
+          </a:effectLst>
+        </a:effectStyle>
+        <a:effectStyle>
+          <a:effectLst>
+            <a:outerShdw blurRad="40000" dist="23000" dir="5400000" rotWithShape="0">
+              <a:srgbClr val="000000">
+                <a:alpha val="35000"/>
+              </a:srgbClr>
+            </a:outerShdw>
+          </a:effectLst>
+          <a:scene3d>
+            <a:camera prst="orthographicFront">
+              <a:rot lat="0" lon="0" rev="0"/>
+            </a:camera>
+            <a:lightRig rig="threePt" dir="t">
+              <a:rot lat="0" lon="0" rev="1200000"/>
+            </a:lightRig>
+          </a:scene3d>
+          <a:sp3d>
+            <a:bevelT w="63500" h="25400"/>
+          </a:sp3d>
+        </a:effectStyle>
+      </a:effectStyleLst>
+      <a:bgFillStyleLst>
+        <a:solidFill>
+          <a:schemeClr val="phClr"/>
+        </a:solidFill>
+        <a:gradFill rotWithShape="1">
+          <a:gsLst>
+            <a:gs pos="0">
+              <a:schemeClr val="phClr">
+                <a:tint val="40000"/>
+                <a:satMod val="350000"/>
+              </a:schemeClr>
+            </a:gs>
+            <a:gs pos="40000">
+              <a:schemeClr val="phClr">
+                <a:tint val="45000"/>
+                <a:shade val="99000"/>
+                <a:satMod val="350000"/>
+              </a:schemeClr>
+            </a:gs>
+            <a:gs pos="100000">
+              <a:schemeClr val="phClr">
+                <a:shade val="20000"/>
+                <a:satMod val="255000"/>
+              </a:schemeClr>
+            </a:gs>
+          </a:gsLst>
+          <a:path path="circle">
+            <a:fillToRect l="50000" t="-80000" r="50000" b="180000"/>
+          </a:path>
+        </a:gradFill>
+        <a:gradFill rotWithShape="1">
+          <a:gsLst>
+            <a:gs pos="0">
+              <a:schemeClr val="phClr">
+                <a:tint val="80000"/>
+                <a:satMod val="300000"/>
+              </a:schemeClr>
+            </a:gs>
+            <a:gs pos="100000">
+              <a:schemeClr val="phClr">
+                <a:shade val="30000"/>
+                <a:satMod val="200000"/>
+              </a:schemeClr>
+            </a:gs>
+          </a:gsLst>
+          <a:path path="circle">
+            <a:fillToRect l="50000" t="50000" r="50000" b="50000"/>
+          </a:path>
+        </a:gradFill>
+      </a:bgFillStyleLst>
+    </a:fmtScheme>
+  </a:themeElements>
+</a:theme>
+</file>
+
+<file path=ppt/theme/theme2.xml><?xml version="1.0" encoding="utf-8"?>
+<a:theme xmlns:a="http://schemas.openxmlformats.org/drawingml/2006/main" name="Office Theme">
+  <a:themeElements>
+    <a:clrScheme name="Office">
+      <a:dk1>
+        <a:sysClr val="windowText" lastClr="000000"/>
+      </a:dk1>
+      <a:lt1>
+        <a:sysClr val="window" lastClr="FFFFFF"/>
+      </a:lt1>
+      <a:dk2>
+        <a:srgbClr val="1f497d"/>
+      </a:dk2>
+      <a:lt2>
+        <a:srgbClr val="eeece1"/>
+      </a:lt2>
+      <a:accent1>
+        <a:srgbClr val="4f81bd"/>
+      </a:accent1>
+      <a:accent2>
+        <a:srgbClr val="c0504d"/>
+      </a:accent2>
+      <a:accent3>
+        <a:srgbClr val="9bbb59"/>
+      </a:accent3>
+      <a:accent4>
+        <a:srgbClr val="8064a2"/>
+      </a:accent4>
+      <a:accent5>
+        <a:srgbClr val="4bacc6"/>
+      </a:accent5>
+      <a:accent6>
+        <a:srgbClr val="f79646"/>
+      </a:accent6>
+      <a:hlink>
+        <a:srgbClr val="0000ff"/>
+      </a:hlink>
+      <a:folHlink>
+        <a:srgbClr val="800080"/>
+      </a:folHlink>
+    </a:clrScheme>
+    <a:fontScheme name="Office">
+      <a:majorFont>
+        <a:latin typeface="Arial"/>
+        <a:ea typeface="DejaVu Sans"/>
+        <a:cs typeface="DejaVu Sans"/>
+      </a:majorFont>
+      <a:minorFont>
+        <a:latin typeface="Arial"/>
+        <a:ea typeface="DejaVu Sans"/>
+        <a:cs typeface="DejaVu Sans"/>
+      </a:minorFont>
+    </a:fontScheme>
+    <a:fmtScheme name="Office">
+      <a:fillStyleLst>
+        <a:solidFill>
+          <a:schemeClr val="phClr"/>
+        </a:solidFill>
+        <a:gradFill rotWithShape="1">
+          <a:gsLst>
+            <a:gs pos="0">
+              <a:schemeClr val="phClr">
+                <a:tint val="50000"/>
+                <a:satMod val="300000"/>
+              </a:schemeClr>
+            </a:gs>
+            <a:gs pos="35000">
+              <a:schemeClr val="phClr">
+                <a:tint val="37000"/>
+                <a:satMod val="300000"/>
+              </a:schemeClr>
+            </a:gs>
+            <a:gs pos="100000">
+              <a:schemeClr val="phClr">
+                <a:tint val="15000"/>
+                <a:satMod val="350000"/>
+              </a:schemeClr>
+            </a:gs>
+          </a:gsLst>
+          <a:lin ang="16200000" scaled="1"/>
+        </a:gradFill>
+        <a:gradFill rotWithShape="1">
+          <a:gsLst>
+            <a:gs pos="0">
+              <a:schemeClr val="phClr">
+                <a:shade val="51000"/>
+                <a:satMod val="130000"/>
+              </a:schemeClr>
+            </a:gs>
+            <a:gs pos="80000">
+              <a:schemeClr val="phClr">
+                <a:shade val="93000"/>
+                <a:satMod val="130000"/>
+              </a:schemeClr>
+            </a:gs>
+            <a:gs pos="100000">
+              <a:schemeClr val="phClr">
+                <a:shade val="94000"/>
+                <a:satMod val="135000"/>
+              </a:schemeClr>
+            </a:gs>
+          </a:gsLst>
+          <a:lin ang="16200000" scaled="0"/>
+        </a:gradFill>
+      </a:fillStyleLst>
+      <a:lnStyleLst>
+        <a:ln w="9525" cap="flat" cmpd="sng" algn="ctr">
+          <a:solidFill>
+            <a:schemeClr val="phClr">
+              <a:shade val="95000"/>
+              <a:satMod val="105000"/>
+            </a:schemeClr>
+          </a:solidFill>
+          <a:prstDash val="solid"/>
+          <a:miter/>
+        </a:ln>
+        <a:ln w="25400" cap="flat" cmpd="sng" algn="ctr">
+          <a:solidFill>
+            <a:schemeClr val="phClr"/>
+          </a:solidFill>
+          <a:prstDash val="solid"/>
+          <a:miter/>
+        </a:ln>
+        <a:ln w="38100" cap="flat" cmpd="sng" algn="ctr">
+          <a:solidFill>
+            <a:schemeClr val="phClr"/>
+          </a:solidFill>
+          <a:prstDash val="solid"/>
+          <a:miter/>
+        </a:ln>
+      </a:lnStyleLst>
+      <a:effectStyleLst>
+        <a:effectStyle>
+          <a:effectLst>
+            <a:outerShdw blurRad="40000" dist="20000" dir="5400000" rotWithShape="0">
+              <a:srgbClr val="000000">
+                <a:alpha val="38000"/>
+              </a:srgbClr>
+            </a:outerShdw>
+          </a:effectLst>
+        </a:effectStyle>
+        <a:effectStyle>
+          <a:effectLst>
+            <a:outerShdw blurRad="40000" dist="23000" dir="5400000" rotWithShape="0">
+              <a:srgbClr val="000000">
+                <a:alpha val="35000"/>
+              </a:srgbClr>
+            </a:outerShdw>
+          </a:effectLst>
+        </a:effectStyle>
+        <a:effectStyle>
+          <a:effectLst>
+            <a:outerShdw blurRad="40000" dist="23000" dir="5400000" rotWithShape="0">
+              <a:srgbClr val="000000">
+                <a:alpha val="35000"/>
+              </a:srgbClr>
+            </a:outerShdw>
+          </a:effectLst>
+          <a:scene3d>
+            <a:camera prst="orthographicFront">
+              <a:rot lat="0" lon="0" rev="0"/>
+            </a:camera>
+            <a:lightRig rig="threePt" dir="t">
+              <a:rot lat="0" lon="0" rev="1200000"/>
+            </a:lightRig>
+          </a:scene3d>
+          <a:sp3d>
+            <a:bevelT w="63500" h="25400"/>
+          </a:sp3d>
+        </a:effectStyle>
+      </a:effectStyleLst>
+      <a:bgFillStyleLst>
+        <a:solidFill>
+          <a:schemeClr val="phClr"/>
+        </a:solidFill>
+        <a:gradFill rotWithShape="1">
+          <a:gsLst>
+            <a:gs pos="0">
+              <a:schemeClr val="phClr">
+                <a:tint val="40000"/>
+                <a:satMod val="350000"/>
+              </a:schemeClr>
+            </a:gs>
+            <a:gs pos="40000">
+              <a:schemeClr val="phClr">
+                <a:tint val="45000"/>
+                <a:shade val="99000"/>
+                <a:satMod val="350000"/>
+              </a:schemeClr>
+            </a:gs>
+            <a:gs pos="100000">
+              <a:schemeClr val="phClr">
+                <a:shade val="20000"/>
+                <a:satMod val="255000"/>
+              </a:schemeClr>
+            </a:gs>
+          </a:gsLst>
+          <a:path path="circle">
+            <a:fillToRect l="50000" t="-80000" r="50000" b="180000"/>
+          </a:path>
+        </a:gradFill>
+        <a:gradFill rotWithShape="1">
+          <a:gsLst>
+            <a:gs pos="0">
+              <a:schemeClr val="phClr">
+                <a:tint val="80000"/>
+                <a:satMod val="300000"/>
+              </a:schemeClr>
+            </a:gs>
+            <a:gs pos="100000">
+              <a:schemeClr val="phClr">
+                <a:shade val="30000"/>
+                <a:satMod val="200000"/>
+              </a:schemeClr>
+            </a:gs>
+          </a:gsLst>
+          <a:path path="circle">
+            <a:fillToRect l="50000" t="50000" r="50000" b="50000"/>
+          </a:path>
+        </a:gradFill>
+      </a:bgFillStyleLst>
+    </a:fmtScheme>
+  </a:themeElements>
+</a:theme>
+</file>
+
+<file path=ppt/theme/theme3.xml><?xml version="1.0" encoding="utf-8"?>
+<a:theme xmlns:a="http://schemas.openxmlformats.org/drawingml/2006/main" name="Office Theme">
+  <a:themeElements>
+    <a:clrScheme name="Office">
+      <a:dk1>
+        <a:sysClr val="windowText" lastClr="000000"/>
+      </a:dk1>
+      <a:lt1>
+        <a:sysClr val="window" lastClr="FFFFFF"/>
+      </a:lt1>
+      <a:dk2>
+        <a:srgbClr val="1f497d"/>
+      </a:dk2>
+      <a:lt2>
+        <a:srgbClr val="eeece1"/>
+      </a:lt2>
+      <a:accent1>
+        <a:srgbClr val="4f81bd"/>
+      </a:accent1>
+      <a:accent2>
+        <a:srgbClr val="c0504d"/>
+      </a:accent2>
+      <a:accent3>
+        <a:srgbClr val="9bbb59"/>
+      </a:accent3>
+      <a:accent4>
+        <a:srgbClr val="8064a2"/>
+      </a:accent4>
+      <a:accent5>
+        <a:srgbClr val="4bacc6"/>
+      </a:accent5>
+      <a:accent6>
+        <a:srgbClr val="f79646"/>
+      </a:accent6>
+      <a:hlink>
+        <a:srgbClr val="0000ff"/>
+      </a:hlink>
+      <a:folHlink>
+        <a:srgbClr val="800080"/>
+      </a:folHlink>
+    </a:clrScheme>
+    <a:fontScheme name="Office">
+      <a:majorFont>
+        <a:latin typeface="Arial"/>
+        <a:ea typeface="DejaVu Sans"/>
+        <a:cs typeface="DejaVu Sans"/>
+      </a:majorFont>
+      <a:minorFont>
+        <a:latin typeface="Arial"/>
+        <a:ea typeface="DejaVu Sans"/>
+        <a:cs typeface="DejaVu Sans"/>
+      </a:minorFont>
+    </a:fontScheme>
+    <a:fmtScheme name="Office">
+      <a:fillStyleLst>
+        <a:solidFill>
+          <a:schemeClr val="phClr"/>
+        </a:solidFill>
+        <a:gradFill rotWithShape="1">
+          <a:gsLst>
+            <a:gs pos="0">
+              <a:schemeClr val="phClr">
+                <a:tint val="50000"/>
+                <a:satMod val="300000"/>
+              </a:schemeClr>
+            </a:gs>
+            <a:gs pos="35000">
+              <a:schemeClr val="phClr">
+                <a:tint val="37000"/>
+                <a:satMod val="300000"/>
+              </a:schemeClr>
+            </a:gs>
+            <a:gs pos="100000">
+              <a:schemeClr val="phClr">
+                <a:tint val="15000"/>
+                <a:satMod val="350000"/>
+              </a:schemeClr>
+            </a:gs>
+          </a:gsLst>
+          <a:lin ang="16200000" scaled="1"/>
+        </a:gradFill>
+        <a:gradFill rotWithShape="1">
+          <a:gsLst>
+            <a:gs pos="0">
+              <a:schemeClr val="phClr">
+                <a:shade val="51000"/>
+                <a:satMod val="130000"/>
+              </a:schemeClr>
+            </a:gs>
+            <a:gs pos="80000">
+              <a:schemeClr val="phClr">
+                <a:shade val="93000"/>
+                <a:satMod val="130000"/>
+              </a:schemeClr>
+            </a:gs>
+            <a:gs pos="100000">
+              <a:schemeClr val="phClr">
+                <a:shade val="94000"/>
+                <a:satMod val="135000"/>
+              </a:schemeClr>
+            </a:gs>
+          </a:gsLst>
+          <a:lin ang="16200000" scaled="0"/>
+        </a:gradFill>
+      </a:fillStyleLst>
+      <a:lnStyleLst>
+        <a:ln w="9525" cap="flat" cmpd="sng" algn="ctr">
+          <a:solidFill>
+            <a:schemeClr val="phClr">
+              <a:shade val="95000"/>
+              <a:satMod val="105000"/>
+            </a:schemeClr>
+          </a:solidFill>
+          <a:prstDash val="solid"/>
+          <a:miter/>
+        </a:ln>
+        <a:ln w="25400" cap="flat" cmpd="sng" algn="ctr">
+          <a:solidFill>
+            <a:schemeClr val="phClr"/>
+          </a:solidFill>
+          <a:prstDash val="solid"/>
+          <a:miter/>
+        </a:ln>
+        <a:ln w="38100" cap="flat" cmpd="sng" algn="ctr">
+          <a:solidFill>
+            <a:schemeClr val="phClr"/>
+          </a:solidFill>
+          <a:prstDash val="solid"/>
+          <a:miter/>
+        </a:ln>
+      </a:lnStyleLst>
+      <a:effectStyleLst>
+        <a:effectStyle>
+          <a:effectLst>
+            <a:outerShdw blurRad="40000" dist="20000" dir="5400000" rotWithShape="0">
+              <a:srgbClr val="000000">
+                <a:alpha val="38000"/>
+              </a:srgbClr>
+            </a:outerShdw>
+          </a:effectLst>
+        </a:effectStyle>
+        <a:effectStyle>
+          <a:effectLst>
+            <a:outerShdw blurRad="40000" dist="23000" dir="5400000" rotWithShape="0">
+              <a:srgbClr val="000000">
+                <a:alpha val="35000"/>
+              </a:srgbClr>
+            </a:outerShdw>
+          </a:effectLst>
+        </a:effectStyle>
+        <a:effectStyle>
+          <a:effectLst>
+            <a:outerShdw blurRad="40000" dist="23000" dir="5400000" rotWithShape="0">
+              <a:srgbClr val="000000">
+                <a:alpha val="35000"/>
+              </a:srgbClr>
+            </a:outerShdw>
+          </a:effectLst>
+          <a:scene3d>
+            <a:camera prst="orthographicFront">
+              <a:rot lat="0" lon="0" rev="0"/>
+            </a:camera>
+            <a:lightRig rig="threePt" dir="t">
+              <a:rot lat="0" lon="0" rev="1200000"/>
+            </a:lightRig>
+          </a:scene3d>
+          <a:sp3d>
+            <a:bevelT w="63500" h="25400"/>
+          </a:sp3d>
+        </a:effectStyle>
+      </a:effectStyleLst>
+      <a:bgFillStyleLst>
+        <a:solidFill>
+          <a:schemeClr val="phClr"/>
+        </a:solidFill>
+        <a:gradFill rotWithShape="1">
+          <a:gsLst>
+            <a:gs pos="0">
+              <a:schemeClr val="phClr">
+                <a:tint val="40000"/>
+                <a:satMod val="350000"/>
+              </a:schemeClr>
+            </a:gs>
+            <a:gs pos="40000">
+              <a:schemeClr val="phClr">
+                <a:tint val="45000"/>
+                <a:shade val="99000"/>
+                <a:satMod val="350000"/>
+              </a:schemeClr>
+            </a:gs>
+            <a:gs pos="100000">
+              <a:schemeClr val="phClr">
+                <a:shade val="20000"/>
+                <a:satMod val="255000"/>
+              </a:schemeClr>
+            </a:gs>
+          </a:gsLst>
+          <a:path path="circle">
+            <a:fillToRect l="50000" t="-80000" r="50000" b="180000"/>
+          </a:path>
+        </a:gradFill>
+        <a:gradFill rotWithShape="1">
+          <a:gsLst>
+            <a:gs pos="0">
+              <a:schemeClr val="phClr">
+                <a:tint val="80000"/>
+                <a:satMod val="300000"/>
+              </a:schemeClr>
+            </a:gs>
+            <a:gs pos="100000">
+              <a:schemeClr val="phClr">
+                <a:shade val="30000"/>
+                <a:satMod val="200000"/>
+              </a:schemeClr>
+            </a:gs>
+          </a:gsLst>
+          <a:path path="circle">
+            <a:fillToRect l="50000" t="50000" r="50000" b="50000"/>
+          </a:path>
+        </a:gradFill>
+      </a:bgFillStyleLst>
+    </a:fmtScheme>
+  </a:themeElements>
+</a:theme>
+</file>
+
+<file path=ppt/theme/theme4.xml><?xml version="1.0" encoding="utf-8"?>
+<a:theme xmlns:a="http://schemas.openxmlformats.org/drawingml/2006/main" name="Office Theme">
+  <a:themeElements>
+    <a:clrScheme name="Office">
+      <a:dk1>
+        <a:sysClr val="windowText" lastClr="000000"/>
+      </a:dk1>
+      <a:lt1>
+        <a:sysClr val="window" lastClr="FFFFFF"/>
+      </a:lt1>
+      <a:dk2>
+        <a:srgbClr val="1f497d"/>
+      </a:dk2>
+      <a:lt2>
+        <a:srgbClr val="eeece1"/>
+      </a:lt2>
+      <a:accent1>
+        <a:srgbClr val="4f81bd"/>
+      </a:accent1>
+      <a:accent2>
+        <a:srgbClr val="c0504d"/>
+      </a:accent2>
+      <a:accent3>
+        <a:srgbClr val="9bbb59"/>
+      </a:accent3>
+      <a:accent4>
+        <a:srgbClr val="8064a2"/>
+      </a:accent4>
+      <a:accent5>
+        <a:srgbClr val="4bacc6"/>
+      </a:accent5>
+      <a:accent6>
+        <a:srgbClr val="f79646"/>
+      </a:accent6>
+      <a:hlink>
+        <a:srgbClr val="0000ff"/>
+      </a:hlink>
+      <a:folHlink>
+        <a:srgbClr val="800080"/>
+      </a:folHlink>
+    </a:clrScheme>
+    <a:fontScheme name="Office">
+      <a:majorFont>
+        <a:latin typeface="Arial"/>
+        <a:ea typeface="DejaVu Sans"/>
+        <a:cs typeface="DejaVu Sans"/>
+      </a:majorFont>
+      <a:minorFont>
+        <a:latin typeface="Arial"/>
+        <a:ea typeface="DejaVu Sans"/>
+        <a:cs typeface="DejaVu Sans"/>
+      </a:minorFont>
+    </a:fontScheme>
+    <a:fmtScheme name="Office">
+      <a:fillStyleLst>
+        <a:solidFill>
+          <a:schemeClr val="phClr"/>
+        </a:solidFill>
+        <a:gradFill rotWithShape="1">
+          <a:gsLst>
+            <a:gs pos="0">
+              <a:schemeClr val="phClr">
+                <a:tint val="50000"/>
+                <a:satMod val="300000"/>
+              </a:schemeClr>
+            </a:gs>
+            <a:gs pos="35000">
+              <a:schemeClr val="phClr">
+                <a:tint val="37000"/>
+                <a:satMod val="300000"/>
+              </a:schemeClr>
+            </a:gs>
+            <a:gs pos="100000">
+              <a:schemeClr val="phClr">
+                <a:tint val="15000"/>
+                <a:satMod val="350000"/>
+              </a:schemeClr>
+            </a:gs>
+          </a:gsLst>
+          <a:lin ang="16200000" scaled="1"/>
+        </a:gradFill>
+        <a:gradFill rotWithShape="1">
+          <a:gsLst>
+            <a:gs pos="0">
+              <a:schemeClr val="phClr">
+                <a:shade val="51000"/>
+                <a:satMod val="130000"/>
+              </a:schemeClr>
+            </a:gs>
+            <a:gs pos="80000">
+              <a:schemeClr val="phClr">
+                <a:shade val="93000"/>
+                <a:satMod val="130000"/>
+              </a:schemeClr>
+            </a:gs>
+            <a:gs pos="100000">
+              <a:schemeClr val="phClr">
+                <a:shade val="94000"/>
+                <a:satMod val="135000"/>
+              </a:schemeClr>
+            </a:gs>
+          </a:gsLst>
+          <a:lin ang="16200000" scaled="0"/>
+        </a:gradFill>
+      </a:fillStyleLst>
+      <a:lnStyleLst>
+        <a:ln w="9525" cap="flat" cmpd="sng" algn="ctr">
+          <a:solidFill>
+            <a:schemeClr val="phClr">
+              <a:shade val="95000"/>
+              <a:satMod val="105000"/>
+            </a:schemeClr>
+          </a:solidFill>
+          <a:prstDash val="solid"/>
+          <a:miter/>
+        </a:ln>
+        <a:ln w="25400" cap="flat" cmpd="sng" algn="ctr">
+          <a:solidFill>
+            <a:schemeClr val="phClr"/>
+          </a:solidFill>
+          <a:prstDash val="solid"/>
+          <a:miter/>
+        </a:ln>
+        <a:ln w="38100" cap="flat" cmpd="sng" algn="ctr">
+          <a:solidFill>
+            <a:schemeClr val="phClr"/>
+          </a:solidFill>
+          <a:prstDash val="solid"/>
+          <a:miter/>
+        </a:ln>
+      </a:lnStyleLst>
+      <a:effectStyleLst>
+        <a:effectStyle>
+          <a:effectLst>
+            <a:outerShdw blurRad="40000" dist="20000" dir="5400000" rotWithShape="0">
+              <a:srgbClr val="000000">
+                <a:alpha val="38000"/>
+              </a:srgbClr>
+            </a:outerShdw>
+          </a:effectLst>
+        </a:effectStyle>
+        <a:effectStyle>
+          <a:effectLst>
+            <a:outerShdw blurRad="40000" dist="23000" dir="5400000" rotWithShape="0">
+              <a:srgbClr val="000000">
+                <a:alpha val="35000"/>
+              </a:srgbClr>
+            </a:outerShdw>
+          </a:effectLst>
+        </a:effectStyle>
+        <a:effectStyle>
+          <a:effectLst>
+            <a:outerShdw blurRad="40000" dist="23000" dir="5400000" rotWithShape="0">
+              <a:srgbClr val="000000">
+                <a:alpha val="35000"/>
+              </a:srgbClr>
+            </a:outerShdw>
+          </a:effectLst>
+          <a:scene3d>
+            <a:camera prst="orthographicFront">
+              <a:rot lat="0" lon="0" rev="0"/>
+            </a:camera>
+            <a:lightRig rig="threePt" dir="t">
+              <a:rot lat="0" lon="0" rev="1200000"/>
+            </a:lightRig>
+          </a:scene3d>
+          <a:sp3d>
+            <a:bevelT w="63500" h="25400"/>
+          </a:sp3d>
+        </a:effectStyle>
+      </a:effectStyleLst>
+      <a:bgFillStyleLst>
+        <a:solidFill>
+          <a:schemeClr val="phClr"/>
+        </a:solidFill>
+        <a:gradFill rotWithShape="1">
+          <a:gsLst>
+            <a:gs pos="0">
+              <a:schemeClr val="phClr">
+                <a:tint val="40000"/>
+                <a:satMod val="350000"/>
+              </a:schemeClr>
+            </a:gs>
+            <a:gs pos="40000">
+              <a:schemeClr val="phClr">
+                <a:tint val="45000"/>
+                <a:shade val="99000"/>
+                <a:satMod val="350000"/>
+              </a:schemeClr>
+            </a:gs>
+            <a:gs pos="100000">
+              <a:schemeClr val="phClr">
+                <a:shade val="20000"/>
+                <a:satMod val="255000"/>
+              </a:schemeClr>
+            </a:gs>
+          </a:gsLst>
+          <a:path path="circle">
+            <a:fillToRect l="50000" t="-80000" r="50000" b="180000"/>
+          </a:path>
+        </a:gradFill>
+        <a:gradFill rotWithShape="1">
+          <a:gsLst>
+            <a:gs pos="0">
+              <a:schemeClr val="phClr">
+                <a:tint val="80000"/>
+                <a:satMod val="300000"/>
+              </a:schemeClr>
+            </a:gs>
+            <a:gs pos="100000">
+              <a:schemeClr val="phClr">
+                <a:shade val="30000"/>
+                <a:satMod val="200000"/>
+              </a:schemeClr>
+            </a:gs>
+          </a:gsLst>
+          <a:path path="circle">
+            <a:fillToRect l="50000" t="50000" r="50000" b="50000"/>
+          </a:path>
+        </a:gradFill>
+      </a:bgFillStyleLst>
+    </a:fmtScheme>
+  </a:themeElements>
+</a:theme>
 </file>
--- a/FYP-Research-Area-questions.pptx
+++ b/FYP-Research-Area-questions.pptx
@@ -1,20 +1,115 @@
 
 <file path=ppt/presentation.xml><?xml version="1.0" encoding="utf-8"?>
-<p:presentation xmlns:a="http://schemas.openxmlformats.org/drawingml/2006/main" xmlns:p="http://schemas.openxmlformats.org/presentationml/2006/main" xmlns:r="http://schemas.openxmlformats.org/officeDocument/2006/relationships" xmlns:p14="http://schemas.microsoft.com/office/powerpoint/2010/main" xmlns:p15="http://schemas.microsoft.com/office/powerpoint/2012/main" xmlns:mc="http://schemas.openxmlformats.org/markup-compatibility/2006">
+<p:presentation xmlns:a="http://schemas.openxmlformats.org/drawingml/2006/main" xmlns:r="http://schemas.openxmlformats.org/officeDocument/2006/relationships" xmlns:p="http://schemas.openxmlformats.org/presentationml/2006/main">
   <p:sldMasterIdLst>
-    <p:sldMasterId id="2147483648" r:id="rId2"/>
+    <p:sldMasterId id="2147483648" r:id="rId1"/>
   </p:sldMasterIdLst>
   <p:sldIdLst>
-    <p:sldId id="256" r:id="rId3"/>
-    <p:sldId id="257" r:id="rId4"/>
+    <p:sldId id="256" r:id="rId2"/>
+    <p:sldId id="257" r:id="rId3"/>
   </p:sldIdLst>
   <p:sldSz cx="10080625" cy="5670550"/>
   <p:notesSz cx="7772400" cy="10058400"/>
+  <p:defaultTextStyle>
+    <a:defPPr>
+      <a:defRPr lang="en-US"/>
+    </a:defPPr>
+    <a:lvl1pPr marL="0" algn="l" defTabSz="914400" rtl="0" eaLnBrk="1" latinLnBrk="0" hangingPunct="1">
+      <a:defRPr sz="1800" kern="1200">
+        <a:solidFill>
+          <a:schemeClr val="tx1"/>
+        </a:solidFill>
+        <a:latin typeface="+mn-lt"/>
+        <a:ea typeface="+mn-ea"/>
+        <a:cs typeface="+mn-cs"/>
+      </a:defRPr>
+    </a:lvl1pPr>
+    <a:lvl2pPr marL="457200" algn="l" defTabSz="914400" rtl="0" eaLnBrk="1" latinLnBrk="0" hangingPunct="1">
+      <a:defRPr sz="1800" kern="1200">
+        <a:solidFill>
+          <a:schemeClr val="tx1"/>
+        </a:solidFill>
+        <a:latin typeface="+mn-lt"/>
+        <a:ea typeface="+mn-ea"/>
+        <a:cs typeface="+mn-cs"/>
+      </a:defRPr>
+    </a:lvl2pPr>
+    <a:lvl3pPr marL="914400" algn="l" defTabSz="914400" rtl="0" eaLnBrk="1" latinLnBrk="0" hangingPunct="1">
+      <a:defRPr sz="1800" kern="1200">
+        <a:solidFill>
+          <a:schemeClr val="tx1"/>
+        </a:solidFill>
+        <a:latin typeface="+mn-lt"/>
+        <a:ea typeface="+mn-ea"/>
+        <a:cs typeface="+mn-cs"/>
+      </a:defRPr>
+    </a:lvl3pPr>
+    <a:lvl4pPr marL="1371600" algn="l" defTabSz="914400" rtl="0" eaLnBrk="1" latinLnBrk="0" hangingPunct="1">
+      <a:defRPr sz="1800" kern="1200">
+        <a:solidFill>
+          <a:schemeClr val="tx1"/>
+        </a:solidFill>
+        <a:latin typeface="+mn-lt"/>
+        <a:ea typeface="+mn-ea"/>
+        <a:cs typeface="+mn-cs"/>
+      </a:defRPr>
+    </a:lvl4pPr>
+    <a:lvl5pPr marL="1828800" algn="l" defTabSz="914400" rtl="0" eaLnBrk="1" latinLnBrk="0" hangingPunct="1">
+      <a:defRPr sz="1800" kern="1200">
+        <a:solidFill>
+          <a:schemeClr val="tx1"/>
+        </a:solidFill>
+        <a:latin typeface="+mn-lt"/>
+        <a:ea typeface="+mn-ea"/>
+        <a:cs typeface="+mn-cs"/>
+      </a:defRPr>
+    </a:lvl5pPr>
+    <a:lvl6pPr marL="2286000" algn="l" defTabSz="914400" rtl="0" eaLnBrk="1" latinLnBrk="0" hangingPunct="1">
+      <a:defRPr sz="1800" kern="1200">
+        <a:solidFill>
+          <a:schemeClr val="tx1"/>
+        </a:solidFill>
+        <a:latin typeface="+mn-lt"/>
+        <a:ea typeface="+mn-ea"/>
+        <a:cs typeface="+mn-cs"/>
+      </a:defRPr>
+    </a:lvl6pPr>
+    <a:lvl7pPr marL="2743200" algn="l" defTabSz="914400" rtl="0" eaLnBrk="1" latinLnBrk="0" hangingPunct="1">
+      <a:defRPr sz="1800" kern="1200">
+        <a:solidFill>
+          <a:schemeClr val="tx1"/>
+        </a:solidFill>
+        <a:latin typeface="+mn-lt"/>
+        <a:ea typeface="+mn-ea"/>
+        <a:cs typeface="+mn-cs"/>
+      </a:defRPr>
+    </a:lvl7pPr>
+    <a:lvl8pPr marL="3200400" algn="l" defTabSz="914400" rtl="0" eaLnBrk="1" latinLnBrk="0" hangingPunct="1">
+      <a:defRPr sz="1800" kern="1200">
+        <a:solidFill>
+          <a:schemeClr val="tx1"/>
+        </a:solidFill>
+        <a:latin typeface="+mn-lt"/>
+        <a:ea typeface="+mn-ea"/>
+        <a:cs typeface="+mn-cs"/>
+      </a:defRPr>
+    </a:lvl8pPr>
+    <a:lvl9pPr marL="3657600" algn="l" defTabSz="914400" rtl="0" eaLnBrk="1" latinLnBrk="0" hangingPunct="1">
+      <a:defRPr sz="1800" kern="1200">
+        <a:solidFill>
+          <a:schemeClr val="tx1"/>
+        </a:solidFill>
+        <a:latin typeface="+mn-lt"/>
+        <a:ea typeface="+mn-ea"/>
+        <a:cs typeface="+mn-cs"/>
+      </a:defRPr>
+    </a:lvl9pPr>
+  </p:defaultTextStyle>
 </p:presentation>
 </file>
 
 <file path=ppt/slideLayouts/slideLayout1.xml><?xml version="1.0" encoding="utf-8"?>
-<p:sldLayout xmlns:a="http://schemas.openxmlformats.org/drawingml/2006/main" xmlns:p="http://schemas.openxmlformats.org/presentationml/2006/main" xmlns:r="http://schemas.openxmlformats.org/officeDocument/2006/relationships" xmlns:p14="http://schemas.microsoft.com/office/powerpoint/2010/main" xmlns:p15="http://schemas.microsoft.com/office/powerpoint/2012/main" xmlns:mc="http://schemas.openxmlformats.org/markup-compatibility/2006" type="blank" preserve="1">
+<p:sldLayout xmlns:a="http://schemas.openxmlformats.org/drawingml/2006/main" xmlns:r="http://schemas.openxmlformats.org/officeDocument/2006/relationships" xmlns:p="http://schemas.openxmlformats.org/presentationml/2006/main" type="blank" preserve="1">
   <p:cSld name="Blank Slide">
     <p:spTree>
       <p:nvGrpSpPr>
@@ -32,11 +127,14 @@
       </p:grpSpPr>
     </p:spTree>
   </p:cSld>
+  <p:clrMapOvr>
+    <a:masterClrMapping/>
+  </p:clrMapOvr>
 </p:sldLayout>
 </file>
 
 <file path=ppt/slideLayouts/slideLayout10.xml><?xml version="1.0" encoding="utf-8"?>
-<p:sldLayout xmlns:a="http://schemas.openxmlformats.org/drawingml/2006/main" xmlns:p="http://schemas.openxmlformats.org/presentationml/2006/main" xmlns:r="http://schemas.openxmlformats.org/officeDocument/2006/relationships" xmlns:p14="http://schemas.microsoft.com/office/powerpoint/2010/main" xmlns:p15="http://schemas.microsoft.com/office/powerpoint/2012/main" xmlns:mc="http://schemas.openxmlformats.org/markup-compatibility/2006" type="objOverTx" preserve="1">
+<p:sldLayout xmlns:a="http://schemas.openxmlformats.org/drawingml/2006/main" xmlns:r="http://schemas.openxmlformats.org/officeDocument/2006/relationships" xmlns:p="http://schemas.openxmlformats.org/presentationml/2006/main" type="objOverTx" preserve="1">
   <p:cSld name="Title, Content over Content">
     <p:spTree>
       <p:nvGrpSpPr>
@@ -76,12 +174,13 @@
           </a:ln>
         </p:spPr>
         <p:txBody>
-          <a:bodyPr lIns="0" rIns="0" tIns="0" bIns="0" anchor="ctr">
+          <a:bodyPr lIns="0" tIns="0" rIns="0" bIns="0" anchor="ctr">
             <a:noAutofit/>
           </a:bodyPr>
+          <a:lstStyle/>
           <a:p>
             <a:pPr algn="ctr"/>
-            <a:endParaRPr b="0" lang="en-US" sz="4400" spc="-1" strike="noStrike">
+            <a:endParaRPr lang="en-US" sz="4400" b="0" strike="noStrike" spc="-1">
               <a:latin typeface="Arial"/>
             </a:endParaRPr>
           </a:p>
@@ -111,11 +210,12 @@
           </a:ln>
         </p:spPr>
         <p:txBody>
-          <a:bodyPr lIns="0" rIns="0" tIns="0" bIns="0" anchor="t">
+          <a:bodyPr lIns="0" tIns="0" rIns="0" bIns="0" anchor="t">
             <a:normAutofit/>
           </a:bodyPr>
-          <a:p>
-            <a:endParaRPr b="0" lang="en-US" sz="3200" spc="-1" strike="noStrike">
+          <a:lstStyle/>
+          <a:p>
+            <a:endParaRPr lang="en-US" sz="3200" b="0" strike="noStrike" spc="-1">
               <a:latin typeface="Arial"/>
             </a:endParaRPr>
           </a:p>
@@ -145,11 +245,12 @@
           </a:ln>
         </p:spPr>
         <p:txBody>
-          <a:bodyPr lIns="0" rIns="0" tIns="0" bIns="0" anchor="t">
+          <a:bodyPr lIns="0" tIns="0" rIns="0" bIns="0" anchor="t">
             <a:normAutofit/>
           </a:bodyPr>
-          <a:p>
-            <a:endParaRPr b="0" lang="en-US" sz="3200" spc="-1" strike="noStrike">
+          <a:lstStyle/>
+          <a:p>
+            <a:endParaRPr lang="en-US" sz="3200" b="0" strike="noStrike" spc="-1">
               <a:latin typeface="Arial"/>
             </a:endParaRPr>
           </a:p>
@@ -157,11 +258,14 @@
       </p:sp>
     </p:spTree>
   </p:cSld>
+  <p:clrMapOvr>
+    <a:masterClrMapping/>
+  </p:clrMapOvr>
 </p:sldLayout>
 </file>
 
 <file path=ppt/slideLayouts/slideLayout11.xml><?xml version="1.0" encoding="utf-8"?>
-<p:sldLayout xmlns:a="http://schemas.openxmlformats.org/drawingml/2006/main" xmlns:p="http://schemas.openxmlformats.org/presentationml/2006/main" xmlns:r="http://schemas.openxmlformats.org/officeDocument/2006/relationships" xmlns:p14="http://schemas.microsoft.com/office/powerpoint/2010/main" xmlns:p15="http://schemas.microsoft.com/office/powerpoint/2012/main" xmlns:mc="http://schemas.openxmlformats.org/markup-compatibility/2006" type="fourObj" preserve="1">
+<p:sldLayout xmlns:a="http://schemas.openxmlformats.org/drawingml/2006/main" xmlns:r="http://schemas.openxmlformats.org/officeDocument/2006/relationships" xmlns:p="http://schemas.openxmlformats.org/presentationml/2006/main" type="fourObj" preserve="1">
   <p:cSld name="Title, 4 Content">
     <p:spTree>
       <p:nvGrpSpPr>
@@ -201,12 +305,13 @@
           </a:ln>
         </p:spPr>
         <p:txBody>
-          <a:bodyPr lIns="0" rIns="0" tIns="0" bIns="0" anchor="ctr">
+          <a:bodyPr lIns="0" tIns="0" rIns="0" bIns="0" anchor="ctr">
             <a:noAutofit/>
           </a:bodyPr>
+          <a:lstStyle/>
           <a:p>
             <a:pPr algn="ctr"/>
-            <a:endParaRPr b="0" lang="en-US" sz="4400" spc="-1" strike="noStrike">
+            <a:endParaRPr lang="en-US" sz="4400" b="0" strike="noStrike" spc="-1">
               <a:latin typeface="Arial"/>
             </a:endParaRPr>
           </a:p>
@@ -236,11 +341,12 @@
           </a:ln>
         </p:spPr>
         <p:txBody>
-          <a:bodyPr lIns="0" rIns="0" tIns="0" bIns="0" anchor="t">
+          <a:bodyPr lIns="0" tIns="0" rIns="0" bIns="0" anchor="t">
             <a:normAutofit/>
           </a:bodyPr>
-          <a:p>
-            <a:endParaRPr b="0" lang="en-US" sz="3200" spc="-1" strike="noStrike">
+          <a:lstStyle/>
+          <a:p>
+            <a:endParaRPr lang="en-US" sz="3200" b="0" strike="noStrike" spc="-1">
               <a:latin typeface="Arial"/>
             </a:endParaRPr>
           </a:p>
@@ -270,11 +376,12 @@
           </a:ln>
         </p:spPr>
         <p:txBody>
-          <a:bodyPr lIns="0" rIns="0" tIns="0" bIns="0" anchor="t">
+          <a:bodyPr lIns="0" tIns="0" rIns="0" bIns="0" anchor="t">
             <a:normAutofit/>
           </a:bodyPr>
-          <a:p>
-            <a:endParaRPr b="0" lang="en-US" sz="3200" spc="-1" strike="noStrike">
+          <a:lstStyle/>
+          <a:p>
+            <a:endParaRPr lang="en-US" sz="3200" b="0" strike="noStrike" spc="-1">
               <a:latin typeface="Arial"/>
             </a:endParaRPr>
           </a:p>
@@ -304,11 +411,12 @@
           </a:ln>
         </p:spPr>
         <p:txBody>
-          <a:bodyPr lIns="0" rIns="0" tIns="0" bIns="0" anchor="t">
+          <a:bodyPr lIns="0" tIns="0" rIns="0" bIns="0" anchor="t">
             <a:normAutofit/>
           </a:bodyPr>
-          <a:p>
-            <a:endParaRPr b="0" lang="en-US" sz="3200" spc="-1" strike="noStrike">
+          <a:lstStyle/>
+          <a:p>
+            <a:endParaRPr lang="en-US" sz="3200" b="0" strike="noStrike" spc="-1">
               <a:latin typeface="Arial"/>
             </a:endParaRPr>
           </a:p>
@@ -338,11 +446,12 @@
           </a:ln>
         </p:spPr>
         <p:txBody>
-          <a:bodyPr lIns="0" rIns="0" tIns="0" bIns="0" anchor="t">
+          <a:bodyPr lIns="0" tIns="0" rIns="0" bIns="0" anchor="t">
             <a:normAutofit/>
           </a:bodyPr>
-          <a:p>
-            <a:endParaRPr b="0" lang="en-US" sz="3200" spc="-1" strike="noStrike">
+          <a:lstStyle/>
+          <a:p>
+            <a:endParaRPr lang="en-US" sz="3200" b="0" strike="noStrike" spc="-1">
               <a:latin typeface="Arial"/>
             </a:endParaRPr>
           </a:p>
@@ -350,11 +459,14 @@
       </p:sp>
     </p:spTree>
   </p:cSld>
+  <p:clrMapOvr>
+    <a:masterClrMapping/>
+  </p:clrMapOvr>
 </p:sldLayout>
 </file>
 
 <file path=ppt/slideLayouts/slideLayout12.xml><?xml version="1.0" encoding="utf-8"?>
-<p:sldLayout xmlns:a="http://schemas.openxmlformats.org/drawingml/2006/main" xmlns:p="http://schemas.openxmlformats.org/presentationml/2006/main" xmlns:r="http://schemas.openxmlformats.org/officeDocument/2006/relationships" xmlns:p14="http://schemas.microsoft.com/office/powerpoint/2010/main" xmlns:p15="http://schemas.microsoft.com/office/powerpoint/2012/main" xmlns:mc="http://schemas.openxmlformats.org/markup-compatibility/2006" type="blank" preserve="1">
+<p:sldLayout xmlns:a="http://schemas.openxmlformats.org/drawingml/2006/main" xmlns:r="http://schemas.openxmlformats.org/officeDocument/2006/relationships" xmlns:p="http://schemas.openxmlformats.org/presentationml/2006/main" type="blank" preserve="1">
   <p:cSld name="Title, 6 Content">
     <p:spTree>
       <p:nvGrpSpPr>
@@ -394,12 +506,13 @@
           </a:ln>
         </p:spPr>
         <p:txBody>
-          <a:bodyPr lIns="0" rIns="0" tIns="0" bIns="0" anchor="ctr">
+          <a:bodyPr lIns="0" tIns="0" rIns="0" bIns="0" anchor="ctr">
             <a:noAutofit/>
           </a:bodyPr>
+          <a:lstStyle/>
           <a:p>
             <a:pPr algn="ctr"/>
-            <a:endParaRPr b="0" lang="en-US" sz="4400" spc="-1" strike="noStrike">
+            <a:endParaRPr lang="en-US" sz="4400" b="0" strike="noStrike" spc="-1">
               <a:latin typeface="Arial"/>
             </a:endParaRPr>
           </a:p>
@@ -429,11 +542,12 @@
           </a:ln>
         </p:spPr>
         <p:txBody>
-          <a:bodyPr lIns="0" rIns="0" tIns="0" bIns="0" anchor="t">
+          <a:bodyPr lIns="0" tIns="0" rIns="0" bIns="0" anchor="t">
             <a:normAutofit/>
           </a:bodyPr>
-          <a:p>
-            <a:endParaRPr b="0" lang="en-US" sz="3200" spc="-1" strike="noStrike">
+          <a:lstStyle/>
+          <a:p>
+            <a:endParaRPr lang="en-US" sz="3200" b="0" strike="noStrike" spc="-1">
               <a:latin typeface="Arial"/>
             </a:endParaRPr>
           </a:p>
@@ -463,11 +577,12 @@
           </a:ln>
         </p:spPr>
         <p:txBody>
-          <a:bodyPr lIns="0" rIns="0" tIns="0" bIns="0" anchor="t">
+          <a:bodyPr lIns="0" tIns="0" rIns="0" bIns="0" anchor="t">
             <a:normAutofit/>
           </a:bodyPr>
-          <a:p>
-            <a:endParaRPr b="0" lang="en-US" sz="3200" spc="-1" strike="noStrike">
+          <a:lstStyle/>
+          <a:p>
+            <a:endParaRPr lang="en-US" sz="3200" b="0" strike="noStrike" spc="-1">
               <a:latin typeface="Arial"/>
             </a:endParaRPr>
           </a:p>
@@ -497,11 +612,12 @@
           </a:ln>
         </p:spPr>
         <p:txBody>
-          <a:bodyPr lIns="0" rIns="0" tIns="0" bIns="0" anchor="t">
+          <a:bodyPr lIns="0" tIns="0" rIns="0" bIns="0" anchor="t">
             <a:normAutofit/>
           </a:bodyPr>
-          <a:p>
-            <a:endParaRPr b="0" lang="en-US" sz="3200" spc="-1" strike="noStrike">
+          <a:lstStyle/>
+          <a:p>
+            <a:endParaRPr lang="en-US" sz="3200" b="0" strike="noStrike" spc="-1">
               <a:latin typeface="Arial"/>
             </a:endParaRPr>
           </a:p>
@@ -531,11 +647,12 @@
           </a:ln>
         </p:spPr>
         <p:txBody>
-          <a:bodyPr lIns="0" rIns="0" tIns="0" bIns="0" anchor="t">
+          <a:bodyPr lIns="0" tIns="0" rIns="0" bIns="0" anchor="t">
             <a:normAutofit/>
           </a:bodyPr>
-          <a:p>
-            <a:endParaRPr b="0" lang="en-US" sz="3200" spc="-1" strike="noStrike">
+          <a:lstStyle/>
+          <a:p>
+            <a:endParaRPr lang="en-US" sz="3200" b="0" strike="noStrike" spc="-1">
               <a:latin typeface="Arial"/>
             </a:endParaRPr>
           </a:p>
@@ -565,11 +682,12 @@
           </a:ln>
         </p:spPr>
         <p:txBody>
-          <a:bodyPr lIns="0" rIns="0" tIns="0" bIns="0" anchor="t">
+          <a:bodyPr lIns="0" tIns="0" rIns="0" bIns="0" anchor="t">
             <a:normAutofit/>
           </a:bodyPr>
-          <a:p>
-            <a:endParaRPr b="0" lang="en-US" sz="3200" spc="-1" strike="noStrike">
+          <a:lstStyle/>
+          <a:p>
+            <a:endParaRPr lang="en-US" sz="3200" b="0" strike="noStrike" spc="-1">
               <a:latin typeface="Arial"/>
             </a:endParaRPr>
           </a:p>
@@ -599,11 +717,12 @@
           </a:ln>
         </p:spPr>
         <p:txBody>
-          <a:bodyPr lIns="0" rIns="0" tIns="0" bIns="0" anchor="t">
+          <a:bodyPr lIns="0" tIns="0" rIns="0" bIns="0" anchor="t">
             <a:normAutofit/>
           </a:bodyPr>
-          <a:p>
-            <a:endParaRPr b="0" lang="en-US" sz="3200" spc="-1" strike="noStrike">
+          <a:lstStyle/>
+          <a:p>
+            <a:endParaRPr lang="en-US" sz="3200" b="0" strike="noStrike" spc="-1">
               <a:latin typeface="Arial"/>
             </a:endParaRPr>
           </a:p>
@@ -611,11 +730,14 @@
       </p:sp>
     </p:spTree>
   </p:cSld>
+  <p:clrMapOvr>
+    <a:masterClrMapping/>
+  </p:clrMapOvr>
 </p:sldLayout>
 </file>
 
 <file path=ppt/slideLayouts/slideLayout2.xml><?xml version="1.0" encoding="utf-8"?>
-<p:sldLayout xmlns:a="http://schemas.openxmlformats.org/drawingml/2006/main" xmlns:p="http://schemas.openxmlformats.org/presentationml/2006/main" xmlns:r="http://schemas.openxmlformats.org/officeDocument/2006/relationships" xmlns:p14="http://schemas.microsoft.com/office/powerpoint/2010/main" xmlns:p15="http://schemas.microsoft.com/office/powerpoint/2012/main" xmlns:mc="http://schemas.openxmlformats.org/markup-compatibility/2006" type="tx" preserve="1">
+<p:sldLayout xmlns:a="http://schemas.openxmlformats.org/drawingml/2006/main" xmlns:r="http://schemas.openxmlformats.org/officeDocument/2006/relationships" xmlns:p="http://schemas.openxmlformats.org/presentationml/2006/main" type="tx" preserve="1">
   <p:cSld name="Title Slide">
     <p:spTree>
       <p:nvGrpSpPr>
@@ -655,12 +777,13 @@
           </a:ln>
         </p:spPr>
         <p:txBody>
-          <a:bodyPr lIns="0" rIns="0" tIns="0" bIns="0" anchor="ctr">
+          <a:bodyPr lIns="0" tIns="0" rIns="0" bIns="0" anchor="ctr">
             <a:noAutofit/>
           </a:bodyPr>
+          <a:lstStyle/>
           <a:p>
             <a:pPr algn="ctr"/>
-            <a:endParaRPr b="0" lang="en-US" sz="4400" spc="-1" strike="noStrike">
+            <a:endParaRPr lang="en-US" sz="4400" b="0" strike="noStrike" spc="-1">
               <a:latin typeface="Arial"/>
             </a:endParaRPr>
           </a:p>
@@ -690,12 +813,13 @@
           </a:ln>
         </p:spPr>
         <p:txBody>
-          <a:bodyPr lIns="0" rIns="0" tIns="0" bIns="0" anchor="ctr">
+          <a:bodyPr lIns="0" tIns="0" rIns="0" bIns="0" anchor="ctr">
             <a:noAutofit/>
           </a:bodyPr>
+          <a:lstStyle/>
           <a:p>
             <a:pPr algn="ctr"/>
-            <a:endParaRPr b="0" lang="en-US" sz="3200" spc="-1" strike="noStrike">
+            <a:endParaRPr lang="en-US" sz="3200" b="0" strike="noStrike" spc="-1">
               <a:latin typeface="Arial"/>
             </a:endParaRPr>
           </a:p>
@@ -703,11 +827,14 @@
       </p:sp>
     </p:spTree>
   </p:cSld>
+  <p:clrMapOvr>
+    <a:masterClrMapping/>
+  </p:clrMapOvr>
 </p:sldLayout>
 </file>
 
 <file path=ppt/slideLayouts/slideLayout3.xml><?xml version="1.0" encoding="utf-8"?>
-<p:sldLayout xmlns:a="http://schemas.openxmlformats.org/drawingml/2006/main" xmlns:p="http://schemas.openxmlformats.org/presentationml/2006/main" xmlns:r="http://schemas.openxmlformats.org/officeDocument/2006/relationships" xmlns:p14="http://schemas.microsoft.com/office/powerpoint/2010/main" xmlns:p15="http://schemas.microsoft.com/office/powerpoint/2012/main" xmlns:mc="http://schemas.openxmlformats.org/markup-compatibility/2006" type="obj" preserve="1">
+<p:sldLayout xmlns:a="http://schemas.openxmlformats.org/drawingml/2006/main" xmlns:r="http://schemas.openxmlformats.org/officeDocument/2006/relationships" xmlns:p="http://schemas.openxmlformats.org/presentationml/2006/main" type="obj" preserve="1">
   <p:cSld name="Title, Content">
     <p:spTree>
       <p:nvGrpSpPr>
@@ -747,12 +874,13 @@
           </a:ln>
         </p:spPr>
         <p:txBody>
-          <a:bodyPr lIns="0" rIns="0" tIns="0" bIns="0" anchor="ctr">
+          <a:bodyPr lIns="0" tIns="0" rIns="0" bIns="0" anchor="ctr">
             <a:noAutofit/>
           </a:bodyPr>
+          <a:lstStyle/>
           <a:p>
             <a:pPr algn="ctr"/>
-            <a:endParaRPr b="0" lang="en-US" sz="4400" spc="-1" strike="noStrike">
+            <a:endParaRPr lang="en-US" sz="4400" b="0" strike="noStrike" spc="-1">
               <a:latin typeface="Arial"/>
             </a:endParaRPr>
           </a:p>
@@ -782,11 +910,12 @@
           </a:ln>
         </p:spPr>
         <p:txBody>
-          <a:bodyPr lIns="0" rIns="0" tIns="0" bIns="0" anchor="t">
+          <a:bodyPr lIns="0" tIns="0" rIns="0" bIns="0" anchor="t">
             <a:normAutofit/>
           </a:bodyPr>
-          <a:p>
-            <a:endParaRPr b="0" lang="en-US" sz="3200" spc="-1" strike="noStrike">
+          <a:lstStyle/>
+          <a:p>
+            <a:endParaRPr lang="en-US" sz="3200" b="0" strike="noStrike" spc="-1">
               <a:latin typeface="Arial"/>
             </a:endParaRPr>
           </a:p>
@@ -794,11 +923,14 @@
       </p:sp>
     </p:spTree>
   </p:cSld>
+  <p:clrMapOvr>
+    <a:masterClrMapping/>
+  </p:clrMapOvr>
 </p:sldLayout>
 </file>
 
 <file path=ppt/slideLayouts/slideLayout4.xml><?xml version="1.0" encoding="utf-8"?>
-<p:sldLayout xmlns:a="http://schemas.openxmlformats.org/drawingml/2006/main" xmlns:p="http://schemas.openxmlformats.org/presentationml/2006/main" xmlns:r="http://schemas.openxmlformats.org/officeDocument/2006/relationships" xmlns:p14="http://schemas.microsoft.com/office/powerpoint/2010/main" xmlns:p15="http://schemas.microsoft.com/office/powerpoint/2012/main" xmlns:mc="http://schemas.openxmlformats.org/markup-compatibility/2006" type="twoObj" preserve="1">
+<p:sldLayout xmlns:a="http://schemas.openxmlformats.org/drawingml/2006/main" xmlns:r="http://schemas.openxmlformats.org/officeDocument/2006/relationships" xmlns:p="http://schemas.openxmlformats.org/presentationml/2006/main" type="twoObj" preserve="1">
   <p:cSld name="Title, 2 Content">
     <p:spTree>
       <p:nvGrpSpPr>
@@ -838,12 +970,13 @@
           </a:ln>
         </p:spPr>
         <p:txBody>
-          <a:bodyPr lIns="0" rIns="0" tIns="0" bIns="0" anchor="ctr">
+          <a:bodyPr lIns="0" tIns="0" rIns="0" bIns="0" anchor="ctr">
             <a:noAutofit/>
           </a:bodyPr>
+          <a:lstStyle/>
           <a:p>
             <a:pPr algn="ctr"/>
-            <a:endParaRPr b="0" lang="en-US" sz="4400" spc="-1" strike="noStrike">
+            <a:endParaRPr lang="en-US" sz="4400" b="0" strike="noStrike" spc="-1">
               <a:latin typeface="Arial"/>
             </a:endParaRPr>
           </a:p>
@@ -873,11 +1006,12 @@
           </a:ln>
         </p:spPr>
         <p:txBody>
-          <a:bodyPr lIns="0" rIns="0" tIns="0" bIns="0" anchor="t">
+          <a:bodyPr lIns="0" tIns="0" rIns="0" bIns="0" anchor="t">
             <a:normAutofit/>
           </a:bodyPr>
-          <a:p>
-            <a:endParaRPr b="0" lang="en-US" sz="3200" spc="-1" strike="noStrike">
+          <a:lstStyle/>
+          <a:p>
+            <a:endParaRPr lang="en-US" sz="3200" b="0" strike="noStrike" spc="-1">
               <a:latin typeface="Arial"/>
             </a:endParaRPr>
           </a:p>
@@ -907,11 +1041,12 @@
           </a:ln>
         </p:spPr>
         <p:txBody>
-          <a:bodyPr lIns="0" rIns="0" tIns="0" bIns="0" anchor="t">
+          <a:bodyPr lIns="0" tIns="0" rIns="0" bIns="0" anchor="t">
             <a:normAutofit/>
           </a:bodyPr>
-          <a:p>
-            <a:endParaRPr b="0" lang="en-US" sz="3200" spc="-1" strike="noStrike">
+          <a:lstStyle/>
+          <a:p>
+            <a:endParaRPr lang="en-US" sz="3200" b="0" strike="noStrike" spc="-1">
               <a:latin typeface="Arial"/>
             </a:endParaRPr>
           </a:p>
@@ -919,11 +1054,14 @@
       </p:sp>
     </p:spTree>
   </p:cSld>
+  <p:clrMapOvr>
+    <a:masterClrMapping/>
+  </p:clrMapOvr>
 </p:sldLayout>
 </file>
 
 <file path=ppt/slideLayouts/slideLayout5.xml><?xml version="1.0" encoding="utf-8"?>
-<p:sldLayout xmlns:a="http://schemas.openxmlformats.org/drawingml/2006/main" xmlns:p="http://schemas.openxmlformats.org/presentationml/2006/main" xmlns:r="http://schemas.openxmlformats.org/officeDocument/2006/relationships" xmlns:p14="http://schemas.microsoft.com/office/powerpoint/2010/main" xmlns:p15="http://schemas.microsoft.com/office/powerpoint/2012/main" xmlns:mc="http://schemas.openxmlformats.org/markup-compatibility/2006" type="titleOnly" preserve="1">
+<p:sldLayout xmlns:a="http://schemas.openxmlformats.org/drawingml/2006/main" xmlns:r="http://schemas.openxmlformats.org/officeDocument/2006/relationships" xmlns:p="http://schemas.openxmlformats.org/presentationml/2006/main" type="titleOnly" preserve="1">
   <p:cSld name="Title Only">
     <p:spTree>
       <p:nvGrpSpPr>
@@ -963,12 +1101,13 @@
           </a:ln>
         </p:spPr>
         <p:txBody>
-          <a:bodyPr lIns="0" rIns="0" tIns="0" bIns="0" anchor="ctr">
+          <a:bodyPr lIns="0" tIns="0" rIns="0" bIns="0" anchor="ctr">
             <a:noAutofit/>
           </a:bodyPr>
+          <a:lstStyle/>
           <a:p>
             <a:pPr algn="ctr"/>
-            <a:endParaRPr b="0" lang="en-US" sz="4400" spc="-1" strike="noStrike">
+            <a:endParaRPr lang="en-US" sz="4400" b="0" strike="noStrike" spc="-1">
               <a:latin typeface="Arial"/>
             </a:endParaRPr>
           </a:p>
@@ -976,11 +1115,14 @@
       </p:sp>
     </p:spTree>
   </p:cSld>
+  <p:clrMapOvr>
+    <a:masterClrMapping/>
+  </p:clrMapOvr>
 </p:sldLayout>
 </file>
 
 <file path=ppt/slideLayouts/slideLayout6.xml><?xml version="1.0" encoding="utf-8"?>
-<p:sldLayout xmlns:a="http://schemas.openxmlformats.org/drawingml/2006/main" xmlns:p="http://schemas.openxmlformats.org/presentationml/2006/main" xmlns:r="http://schemas.openxmlformats.org/officeDocument/2006/relationships" xmlns:p14="http://schemas.microsoft.com/office/powerpoint/2010/main" xmlns:p15="http://schemas.microsoft.com/office/powerpoint/2012/main" xmlns:mc="http://schemas.openxmlformats.org/markup-compatibility/2006" type="objOnly" preserve="1">
+<p:sldLayout xmlns:a="http://schemas.openxmlformats.org/drawingml/2006/main" xmlns:r="http://schemas.openxmlformats.org/officeDocument/2006/relationships" xmlns:p="http://schemas.openxmlformats.org/presentationml/2006/main" type="objOnly" preserve="1">
   <p:cSld name="Centered Text">
     <p:spTree>
       <p:nvGrpSpPr>
@@ -1020,12 +1162,13 @@
           </a:ln>
         </p:spPr>
         <p:txBody>
-          <a:bodyPr lIns="0" rIns="0" tIns="0" bIns="0" anchor="ctr">
+          <a:bodyPr lIns="0" tIns="0" rIns="0" bIns="0" anchor="ctr">
             <a:noAutofit/>
           </a:bodyPr>
+          <a:lstStyle/>
           <a:p>
             <a:pPr algn="ctr"/>
-            <a:endParaRPr b="0" lang="en-US" sz="3200" spc="-1" strike="noStrike">
+            <a:endParaRPr lang="en-US" sz="3200" b="0" strike="noStrike" spc="-1">
               <a:latin typeface="Arial"/>
             </a:endParaRPr>
           </a:p>
@@ -1033,11 +1176,14 @@
       </p:sp>
     </p:spTree>
   </p:cSld>
+  <p:clrMapOvr>
+    <a:masterClrMapping/>
+  </p:clrMapOvr>
 </p:sldLayout>
 </file>
 
 <file path=ppt/slideLayouts/slideLayout7.xml><?xml version="1.0" encoding="utf-8"?>
-<p:sldLayout xmlns:a="http://schemas.openxmlformats.org/drawingml/2006/main" xmlns:p="http://schemas.openxmlformats.org/presentationml/2006/main" xmlns:r="http://schemas.openxmlformats.org/officeDocument/2006/relationships" xmlns:p14="http://schemas.microsoft.com/office/powerpoint/2010/main" xmlns:p15="http://schemas.microsoft.com/office/powerpoint/2012/main" xmlns:mc="http://schemas.openxmlformats.org/markup-compatibility/2006" type="twoObjAndObj" preserve="1">
+<p:sldLayout xmlns:a="http://schemas.openxmlformats.org/drawingml/2006/main" xmlns:r="http://schemas.openxmlformats.org/officeDocument/2006/relationships" xmlns:p="http://schemas.openxmlformats.org/presentationml/2006/main" type="twoObjAndObj" preserve="1">
   <p:cSld name="Title, 2 Content and Content">
     <p:spTree>
       <p:nvGrpSpPr>
@@ -1077,12 +1223,13 @@
           </a:ln>
         </p:spPr>
         <p:txBody>
-          <a:bodyPr lIns="0" rIns="0" tIns="0" bIns="0" anchor="ctr">
+          <a:bodyPr lIns="0" tIns="0" rIns="0" bIns="0" anchor="ctr">
             <a:noAutofit/>
           </a:bodyPr>
+          <a:lstStyle/>
           <a:p>
             <a:pPr algn="ctr"/>
-            <a:endParaRPr b="0" lang="en-US" sz="4400" spc="-1" strike="noStrike">
+            <a:endParaRPr lang="en-US" sz="4400" b="0" strike="noStrike" spc="-1">
               <a:latin typeface="Arial"/>
             </a:endParaRPr>
           </a:p>
@@ -1112,11 +1259,12 @@
           </a:ln>
         </p:spPr>
         <p:txBody>
-          <a:bodyPr lIns="0" rIns="0" tIns="0" bIns="0" anchor="t">
+          <a:bodyPr lIns="0" tIns="0" rIns="0" bIns="0" anchor="t">
             <a:normAutofit/>
           </a:bodyPr>
-          <a:p>
-            <a:endParaRPr b="0" lang="en-US" sz="3200" spc="-1" strike="noStrike">
+          <a:lstStyle/>
+          <a:p>
+            <a:endParaRPr lang="en-US" sz="3200" b="0" strike="noStrike" spc="-1">
               <a:latin typeface="Arial"/>
             </a:endParaRPr>
           </a:p>
@@ -1146,11 +1294,12 @@
           </a:ln>
         </p:spPr>
         <p:txBody>
-          <a:bodyPr lIns="0" rIns="0" tIns="0" bIns="0" anchor="t">
+          <a:bodyPr lIns="0" tIns="0" rIns="0" bIns="0" anchor="t">
             <a:normAutofit/>
           </a:bodyPr>
-          <a:p>
-            <a:endParaRPr b="0" lang="en-US" sz="3200" spc="-1" strike="noStrike">
+          <a:lstStyle/>
+          <a:p>
+            <a:endParaRPr lang="en-US" sz="3200" b="0" strike="noStrike" spc="-1">
               <a:latin typeface="Arial"/>
             </a:endParaRPr>
           </a:p>
@@ -1180,11 +1329,12 @@
           </a:ln>
         </p:spPr>
         <p:txBody>
-          <a:bodyPr lIns="0" rIns="0" tIns="0" bIns="0" anchor="t">
+          <a:bodyPr lIns="0" tIns="0" rIns="0" bIns="0" anchor="t">
             <a:normAutofit/>
           </a:bodyPr>
-          <a:p>
-            <a:endParaRPr b="0" lang="en-US" sz="3200" spc="-1" strike="noStrike">
+          <a:lstStyle/>
+          <a:p>
+            <a:endParaRPr lang="en-US" sz="3200" b="0" strike="noStrike" spc="-1">
               <a:latin typeface="Arial"/>
             </a:endParaRPr>
           </a:p>
@@ -1192,11 +1342,14 @@
       </p:sp>
     </p:spTree>
   </p:cSld>
+  <p:clrMapOvr>
+    <a:masterClrMapping/>
+  </p:clrMapOvr>
 </p:sldLayout>
 </file>
 
 <file path=ppt/slideLayouts/slideLayout8.xml><?xml version="1.0" encoding="utf-8"?>
-<p:sldLayout xmlns:a="http://schemas.openxmlformats.org/drawingml/2006/main" xmlns:p="http://schemas.openxmlformats.org/presentationml/2006/main" xmlns:r="http://schemas.openxmlformats.org/officeDocument/2006/relationships" xmlns:p14="http://schemas.microsoft.com/office/powerpoint/2010/main" xmlns:p15="http://schemas.microsoft.com/office/powerpoint/2012/main" xmlns:mc="http://schemas.openxmlformats.org/markup-compatibility/2006" type="objAndTwoObj" preserve="1">
+<p:sldLayout xmlns:a="http://schemas.openxmlformats.org/drawingml/2006/main" xmlns:r="http://schemas.openxmlformats.org/officeDocument/2006/relationships" xmlns:p="http://schemas.openxmlformats.org/presentationml/2006/main" type="objAndTwoObj" preserve="1">
   <p:cSld name="Title Content and 2 Content">
     <p:spTree>
       <p:nvGrpSpPr>
@@ -1236,12 +1389,13 @@
           </a:ln>
         </p:spPr>
         <p:txBody>
-          <a:bodyPr lIns="0" rIns="0" tIns="0" bIns="0" anchor="ctr">
+          <a:bodyPr lIns="0" tIns="0" rIns="0" bIns="0" anchor="ctr">
             <a:noAutofit/>
           </a:bodyPr>
+          <a:lstStyle/>
           <a:p>
             <a:pPr algn="ctr"/>
-            <a:endParaRPr b="0" lang="en-US" sz="4400" spc="-1" strike="noStrike">
+            <a:endParaRPr lang="en-US" sz="4400" b="0" strike="noStrike" spc="-1">
               <a:latin typeface="Arial"/>
             </a:endParaRPr>
           </a:p>
@@ -1271,11 +1425,12 @@
           </a:ln>
         </p:spPr>
         <p:txBody>
-          <a:bodyPr lIns="0" rIns="0" tIns="0" bIns="0" anchor="t">
+          <a:bodyPr lIns="0" tIns="0" rIns="0" bIns="0" anchor="t">
             <a:normAutofit/>
           </a:bodyPr>
-          <a:p>
-            <a:endParaRPr b="0" lang="en-US" sz="3200" spc="-1" strike="noStrike">
+          <a:lstStyle/>
+          <a:p>
+            <a:endParaRPr lang="en-US" sz="3200" b="0" strike="noStrike" spc="-1">
               <a:latin typeface="Arial"/>
             </a:endParaRPr>
           </a:p>
@@ -1305,11 +1460,12 @@
           </a:ln>
         </p:spPr>
         <p:txBody>
-          <a:bodyPr lIns="0" rIns="0" tIns="0" bIns="0" anchor="t">
+          <a:bodyPr lIns="0" tIns="0" rIns="0" bIns="0" anchor="t">
             <a:normAutofit/>
           </a:bodyPr>
-          <a:p>
-            <a:endParaRPr b="0" lang="en-US" sz="3200" spc="-1" strike="noStrike">
+          <a:lstStyle/>
+          <a:p>
+            <a:endParaRPr lang="en-US" sz="3200" b="0" strike="noStrike" spc="-1">
               <a:latin typeface="Arial"/>
             </a:endParaRPr>
           </a:p>
@@ -1339,11 +1495,12 @@
           </a:ln>
         </p:spPr>
         <p:txBody>
-          <a:bodyPr lIns="0" rIns="0" tIns="0" bIns="0" anchor="t">
+          <a:bodyPr lIns="0" tIns="0" rIns="0" bIns="0" anchor="t">
             <a:normAutofit/>
           </a:bodyPr>
-          <a:p>
-            <a:endParaRPr b="0" lang="en-US" sz="3200" spc="-1" strike="noStrike">
+          <a:lstStyle/>
+          <a:p>
+            <a:endParaRPr lang="en-US" sz="3200" b="0" strike="noStrike" spc="-1">
               <a:latin typeface="Arial"/>
             </a:endParaRPr>
           </a:p>
@@ -1351,11 +1508,14 @@
       </p:sp>
     </p:spTree>
   </p:cSld>
+  <p:clrMapOvr>
+    <a:masterClrMapping/>
+  </p:clrMapOvr>
 </p:sldLayout>
 </file>
 
 <file path=ppt/slideLayouts/slideLayout9.xml><?xml version="1.0" encoding="utf-8"?>
-<p:sldLayout xmlns:a="http://schemas.openxmlformats.org/drawingml/2006/main" xmlns:p="http://schemas.openxmlformats.org/presentationml/2006/main" xmlns:r="http://schemas.openxmlformats.org/officeDocument/2006/relationships" xmlns:p14="http://schemas.microsoft.com/office/powerpoint/2010/main" xmlns:p15="http://schemas.microsoft.com/office/powerpoint/2012/main" xmlns:mc="http://schemas.openxmlformats.org/markup-compatibility/2006" type="twoObjOverTx" preserve="1">
+<p:sldLayout xmlns:a="http://schemas.openxmlformats.org/drawingml/2006/main" xmlns:r="http://schemas.openxmlformats.org/officeDocument/2006/relationships" xmlns:p="http://schemas.openxmlformats.org/presentationml/2006/main" type="twoObjOverTx" preserve="1">
   <p:cSld name="Title, 2 Content over Content">
     <p:spTree>
       <p:nvGrpSpPr>
@@ -1395,12 +1555,13 @@
           </a:ln>
         </p:spPr>
         <p:txBody>
-          <a:bodyPr lIns="0" rIns="0" tIns="0" bIns="0" anchor="ctr">
+          <a:bodyPr lIns="0" tIns="0" rIns="0" bIns="0" anchor="ctr">
             <a:noAutofit/>
           </a:bodyPr>
+          <a:lstStyle/>
           <a:p>
             <a:pPr algn="ctr"/>
-            <a:endParaRPr b="0" lang="en-US" sz="4400" spc="-1" strike="noStrike">
+            <a:endParaRPr lang="en-US" sz="4400" b="0" strike="noStrike" spc="-1">
               <a:latin typeface="Arial"/>
             </a:endParaRPr>
           </a:p>
@@ -1430,11 +1591,12 @@
           </a:ln>
         </p:spPr>
         <p:txBody>
-          <a:bodyPr lIns="0" rIns="0" tIns="0" bIns="0" anchor="t">
+          <a:bodyPr lIns="0" tIns="0" rIns="0" bIns="0" anchor="t">
             <a:normAutofit/>
           </a:bodyPr>
-          <a:p>
-            <a:endParaRPr b="0" lang="en-US" sz="3200" spc="-1" strike="noStrike">
+          <a:lstStyle/>
+          <a:p>
+            <a:endParaRPr lang="en-US" sz="3200" b="0" strike="noStrike" spc="-1">
               <a:latin typeface="Arial"/>
             </a:endParaRPr>
           </a:p>
@@ -1464,11 +1626,12 @@
           </a:ln>
         </p:spPr>
         <p:txBody>
-          <a:bodyPr lIns="0" rIns="0" tIns="0" bIns="0" anchor="t">
+          <a:bodyPr lIns="0" tIns="0" rIns="0" bIns="0" anchor="t">
             <a:normAutofit/>
           </a:bodyPr>
-          <a:p>
-            <a:endParaRPr b="0" lang="en-US" sz="3200" spc="-1" strike="noStrike">
+          <a:lstStyle/>
+          <a:p>
+            <a:endParaRPr lang="en-US" sz="3200" b="0" strike="noStrike" spc="-1">
               <a:latin typeface="Arial"/>
             </a:endParaRPr>
           </a:p>
@@ -1498,11 +1661,12 @@
           </a:ln>
         </p:spPr>
         <p:txBody>
-          <a:bodyPr lIns="0" rIns="0" tIns="0" bIns="0" anchor="t">
+          <a:bodyPr lIns="0" tIns="0" rIns="0" bIns="0" anchor="t">
             <a:normAutofit/>
           </a:bodyPr>
-          <a:p>
-            <a:endParaRPr b="0" lang="en-US" sz="3200" spc="-1" strike="noStrike">
+          <a:lstStyle/>
+          <a:p>
+            <a:endParaRPr lang="en-US" sz="3200" b="0" strike="noStrike" spc="-1">
               <a:latin typeface="Arial"/>
             </a:endParaRPr>
           </a:p>
@@ -1510,12 +1674,20 @@
       </p:sp>
     </p:spTree>
   </p:cSld>
+  <p:clrMapOvr>
+    <a:masterClrMapping/>
+  </p:clrMapOvr>
 </p:sldLayout>
 </file>
 
 <file path=ppt/slideMasters/slideMaster1.xml><?xml version="1.0" encoding="utf-8"?>
-<p:sldMaster xmlns:a="http://schemas.openxmlformats.org/drawingml/2006/main" xmlns:p="http://schemas.openxmlformats.org/presentationml/2006/main" xmlns:r="http://schemas.openxmlformats.org/officeDocument/2006/relationships" xmlns:p14="http://schemas.microsoft.com/office/powerpoint/2010/main" xmlns:p15="http://schemas.microsoft.com/office/powerpoint/2012/main" xmlns:mc="http://schemas.openxmlformats.org/markup-compatibility/2006">
+<p:sldMaster xmlns:a="http://schemas.openxmlformats.org/drawingml/2006/main" xmlns:r="http://schemas.openxmlformats.org/officeDocument/2006/relationships" xmlns:p="http://schemas.openxmlformats.org/presentationml/2006/main">
   <p:cSld>
+    <p:bg>
+      <p:bgRef idx="1001">
+        <a:schemeClr val="bg1"/>
+      </p:bgRef>
+    </p:bg>
     <p:spTree>
       <p:nvGrpSpPr>
         <p:cNvPr id="1" name=""/>
@@ -1532,7 +1704,7 @@
       </p:grpSpPr>
       <p:sp>
         <p:nvSpPr>
-          <p:cNvPr id="0" name=""/>
+          <p:cNvPr id="6" name="Freeform: Shape 5"/>
           <p:cNvSpPr/>
           <p:nvPr/>
         </p:nvSpPr>
@@ -1545,6 +1717,7 @@
             <a:avLst/>
             <a:gdLst/>
             <a:ahLst/>
+            <a:cxnLst/>
             <a:rect l="l" t="t" r="r" b="b"/>
             <a:pathLst>
               <a:path w="5501" h="3751">
@@ -1572,15 +1745,21 @@
           </a:ln>
         </p:spPr>
         <p:style>
-          <a:lnRef idx="0"/>
-          <a:fillRef idx="0"/>
-          <a:effectRef idx="0"/>
+          <a:lnRef idx="0">
+            <a:scrgbClr r="0" g="0" b="0"/>
+          </a:lnRef>
+          <a:fillRef idx="0">
+            <a:scrgbClr r="0" g="0" b="0"/>
+          </a:fillRef>
+          <a:effectRef idx="0">
+            <a:scrgbClr r="0" g="0" b="0"/>
+          </a:effectRef>
           <a:fontRef idx="minor"/>
         </p:style>
       </p:sp>
       <p:sp>
         <p:nvSpPr>
-          <p:cNvPr id="1" name=""/>
+          <p:cNvPr id="7" name="Freeform: Shape 6"/>
           <p:cNvSpPr/>
           <p:nvPr/>
         </p:nvSpPr>
@@ -1593,6 +1772,7 @@
             <a:avLst/>
             <a:gdLst/>
             <a:ahLst/>
+            <a:cxnLst/>
             <a:rect l="l" t="t" r="r" b="b"/>
             <a:pathLst>
               <a:path w="3001" h="9501">
@@ -1613,22 +1793,28 @@
             </a:pathLst>
           </a:custGeom>
           <a:solidFill>
-            <a:srgbClr val="f10d0c"/>
+            <a:srgbClr val="F10D0C"/>
           </a:solidFill>
           <a:ln w="0">
             <a:noFill/>
           </a:ln>
         </p:spPr>
         <p:style>
-          <a:lnRef idx="0"/>
-          <a:fillRef idx="0"/>
-          <a:effectRef idx="0"/>
+          <a:lnRef idx="0">
+            <a:scrgbClr r="0" g="0" b="0"/>
+          </a:lnRef>
+          <a:fillRef idx="0">
+            <a:scrgbClr r="0" g="0" b="0"/>
+          </a:fillRef>
+          <a:effectRef idx="0">
+            <a:scrgbClr r="0" g="0" b="0"/>
+          </a:effectRef>
           <a:fontRef idx="minor"/>
         </p:style>
       </p:sp>
       <p:sp>
         <p:nvSpPr>
-          <p:cNvPr id="2" name=""/>
+          <p:cNvPr id="2" name="Freeform: Shape 1"/>
           <p:cNvSpPr/>
           <p:nvPr/>
         </p:nvSpPr>
@@ -1641,6 +1827,7 @@
             <a:avLst/>
             <a:gdLst/>
             <a:ahLst/>
+            <a:cxnLst/>
             <a:rect l="l" t="t" r="r" b="b"/>
             <a:pathLst>
               <a:path w="6501" h="4501">
@@ -1661,22 +1848,28 @@
             </a:pathLst>
           </a:custGeom>
           <a:solidFill>
-            <a:srgbClr val="e8a202"/>
+            <a:srgbClr val="E8A202"/>
           </a:solidFill>
           <a:ln w="0">
             <a:noFill/>
           </a:ln>
         </p:spPr>
         <p:style>
-          <a:lnRef idx="0"/>
-          <a:fillRef idx="0"/>
-          <a:effectRef idx="0"/>
+          <a:lnRef idx="0">
+            <a:scrgbClr r="0" g="0" b="0"/>
+          </a:lnRef>
+          <a:fillRef idx="0">
+            <a:scrgbClr r="0" g="0" b="0"/>
+          </a:fillRef>
+          <a:effectRef idx="0">
+            <a:scrgbClr r="0" g="0" b="0"/>
+          </a:effectRef>
           <a:fontRef idx="minor"/>
         </p:style>
       </p:sp>
       <p:sp>
         <p:nvSpPr>
-          <p:cNvPr id="3" name=""/>
+          <p:cNvPr id="3" name="Freeform: Shape 2"/>
           <p:cNvSpPr/>
           <p:nvPr/>
         </p:nvSpPr>
@@ -1689,6 +1882,7 @@
             <a:avLst/>
             <a:gdLst/>
             <a:ahLst/>
+            <a:cxnLst/>
             <a:rect l="l" t="t" r="r" b="b"/>
             <a:pathLst>
               <a:path w="3001" h="8751">
@@ -1716,9 +1910,15 @@
           </a:ln>
         </p:spPr>
         <p:style>
-          <a:lnRef idx="0"/>
-          <a:fillRef idx="0"/>
-          <a:effectRef idx="0"/>
+          <a:lnRef idx="0">
+            <a:scrgbClr r="0" g="0" b="0"/>
+          </a:lnRef>
+          <a:fillRef idx="0">
+            <a:scrgbClr r="0" g="0" b="0"/>
+          </a:fillRef>
+          <a:effectRef idx="0">
+            <a:scrgbClr r="0" g="0" b="0"/>
+          </a:effectRef>
           <a:fontRef idx="minor"/>
         </p:style>
       </p:sp>
@@ -1746,19 +1946,17 @@
           </a:ln>
         </p:spPr>
         <p:txBody>
-          <a:bodyPr lIns="0" rIns="0" tIns="0" bIns="0" anchor="ctr">
+          <a:bodyPr lIns="0" tIns="0" rIns="0" bIns="0" anchor="ctr">
             <a:noAutofit/>
           </a:bodyPr>
+          <a:lstStyle/>
           <a:p>
             <a:r>
-              <a:rPr b="0" lang="en-US" sz="1800" spc="-1" strike="noStrike">
+              <a:rPr lang="en-US" sz="1800" b="0" strike="noStrike" spc="-1">
                 <a:latin typeface="Arial"/>
               </a:rPr>
               <a:t>Click to edit the title text format</a:t>
             </a:r>
-            <a:endParaRPr b="0" lang="en-US" sz="1800" spc="-1" strike="noStrike">
-              <a:latin typeface="Arial"/>
-            </a:endParaRPr>
           </a:p>
         </p:txBody>
       </p:sp>
@@ -1786,9 +1984,10 @@
           </a:ln>
         </p:spPr>
         <p:txBody>
-          <a:bodyPr lIns="0" rIns="0" tIns="0" bIns="0" anchor="t">
+          <a:bodyPr lIns="0" tIns="0" rIns="0" bIns="0" anchor="t">
             <a:normAutofit/>
           </a:bodyPr>
+          <a:lstStyle/>
           <a:p>
             <a:pPr marL="432000" indent="-324000">
               <a:spcBef>
@@ -1802,17 +2001,14 @@
               <a:buChar char=""/>
             </a:pPr>
             <a:r>
-              <a:rPr b="0" lang="en-US" sz="1800" spc="-1" strike="noStrike">
+              <a:rPr lang="en-US" sz="1800" b="0" strike="noStrike" spc="-1">
                 <a:latin typeface="Arial"/>
               </a:rPr>
               <a:t>Click to edit the outline text format</a:t>
             </a:r>
-            <a:endParaRPr b="0" lang="en-US" sz="1800" spc="-1" strike="noStrike">
-              <a:latin typeface="Arial"/>
-            </a:endParaRPr>
-          </a:p>
-          <a:p>
-            <a:pPr lvl="1" marL="864000" indent="-324000">
+          </a:p>
+          <a:p>
+            <a:pPr marL="864000" lvl="1" indent="-324000">
               <a:spcBef>
                 <a:spcPts val="1134"/>
               </a:spcBef>
@@ -1824,17 +2020,14 @@
               <a:buChar char=""/>
             </a:pPr>
             <a:r>
-              <a:rPr b="0" lang="en-US" sz="1800" spc="-1" strike="noStrike">
+              <a:rPr lang="en-US" sz="1800" b="0" strike="noStrike" spc="-1">
                 <a:latin typeface="Arial"/>
               </a:rPr>
               <a:t>Second Outline Level</a:t>
             </a:r>
-            <a:endParaRPr b="0" lang="en-US" sz="1800" spc="-1" strike="noStrike">
-              <a:latin typeface="Arial"/>
-            </a:endParaRPr>
-          </a:p>
-          <a:p>
-            <a:pPr lvl="2" marL="1296000" indent="-288000">
+          </a:p>
+          <a:p>
+            <a:pPr marL="1296000" lvl="2" indent="-288000">
               <a:spcBef>
                 <a:spcPts val="850"/>
               </a:spcBef>
@@ -1846,17 +2039,14 @@
               <a:buChar char=""/>
             </a:pPr>
             <a:r>
-              <a:rPr b="0" lang="en-US" sz="1800" spc="-1" strike="noStrike">
+              <a:rPr lang="en-US" sz="1800" b="0" strike="noStrike" spc="-1">
                 <a:latin typeface="Arial"/>
               </a:rPr>
               <a:t>Third Outline Level</a:t>
             </a:r>
-            <a:endParaRPr b="0" lang="en-US" sz="1800" spc="-1" strike="noStrike">
-              <a:latin typeface="Arial"/>
-            </a:endParaRPr>
-          </a:p>
-          <a:p>
-            <a:pPr lvl="3" marL="1728000" indent="-216000">
+          </a:p>
+          <a:p>
+            <a:pPr marL="1728000" lvl="3" indent="-216000">
               <a:spcBef>
                 <a:spcPts val="567"/>
               </a:spcBef>
@@ -1868,17 +2058,14 @@
               <a:buChar char=""/>
             </a:pPr>
             <a:r>
-              <a:rPr b="0" lang="en-US" sz="1800" spc="-1" strike="noStrike">
+              <a:rPr lang="en-US" sz="1800" b="0" strike="noStrike" spc="-1">
                 <a:latin typeface="Arial"/>
               </a:rPr>
               <a:t>Fourth Outline Level</a:t>
             </a:r>
-            <a:endParaRPr b="0" lang="en-US" sz="1800" spc="-1" strike="noStrike">
-              <a:latin typeface="Arial"/>
-            </a:endParaRPr>
-          </a:p>
-          <a:p>
-            <a:pPr lvl="4" marL="2160000" indent="-216000">
+          </a:p>
+          <a:p>
+            <a:pPr marL="2160000" lvl="4" indent="-216000">
               <a:spcBef>
                 <a:spcPts val="283"/>
               </a:spcBef>
@@ -1890,17 +2077,14 @@
               <a:buChar char=""/>
             </a:pPr>
             <a:r>
-              <a:rPr b="0" lang="en-US" sz="1800" spc="-1" strike="noStrike">
+              <a:rPr lang="en-US" sz="1800" b="0" strike="noStrike" spc="-1">
                 <a:latin typeface="Arial"/>
               </a:rPr>
               <a:t>Fifth Outline Level</a:t>
             </a:r>
-            <a:endParaRPr b="0" lang="en-US" sz="1800" spc="-1" strike="noStrike">
-              <a:latin typeface="Arial"/>
-            </a:endParaRPr>
-          </a:p>
-          <a:p>
-            <a:pPr lvl="5" marL="2592000" indent="-216000">
+          </a:p>
+          <a:p>
+            <a:pPr marL="2592000" lvl="5" indent="-216000">
               <a:spcBef>
                 <a:spcPts val="283"/>
               </a:spcBef>
@@ -1912,17 +2096,14 @@
               <a:buChar char=""/>
             </a:pPr>
             <a:r>
-              <a:rPr b="0" lang="en-US" sz="1800" spc="-1" strike="noStrike">
+              <a:rPr lang="en-US" sz="1800" b="0" strike="noStrike" spc="-1">
                 <a:latin typeface="Arial"/>
               </a:rPr>
               <a:t>Sixth Outline Level</a:t>
             </a:r>
-            <a:endParaRPr b="0" lang="en-US" sz="1800" spc="-1" strike="noStrike">
-              <a:latin typeface="Arial"/>
-            </a:endParaRPr>
-          </a:p>
-          <a:p>
-            <a:pPr lvl="6" marL="3024000" indent="-216000">
+          </a:p>
+          <a:p>
+            <a:pPr marL="3024000" lvl="6" indent="-216000">
               <a:spcBef>
                 <a:spcPts val="283"/>
               </a:spcBef>
@@ -1934,39 +2115,316 @@
               <a:buChar char=""/>
             </a:pPr>
             <a:r>
-              <a:rPr b="0" lang="en-US" sz="1800" spc="-1" strike="noStrike">
+              <a:rPr lang="en-US" sz="1800" b="0" strike="noStrike" spc="-1">
                 <a:latin typeface="Arial"/>
               </a:rPr>
               <a:t>Seventh Outline Level</a:t>
             </a:r>
-            <a:endParaRPr b="0" lang="en-US" sz="1800" spc="-1" strike="noStrike">
-              <a:latin typeface="Arial"/>
-            </a:endParaRPr>
           </a:p>
         </p:txBody>
       </p:sp>
     </p:spTree>
   </p:cSld>
-  <p:clrMap bg1="lt1" bg2="lt2" tx1="dk1" tx2="dk2" accent1="accent1" accent2="accent2" accent3="accent3" accent4="accent4" accent5="accent5" accent6="accent6" hlink="hlink" folHlink="folHlink"/>
+  <p:clrMap bg1="lt1" tx1="dk1" bg2="lt2" tx2="dk2" accent1="accent1" accent2="accent2" accent3="accent3" accent4="accent4" accent5="accent5" accent6="accent6" hlink="hlink" folHlink="folHlink"/>
   <p:sldLayoutIdLst>
-    <p:sldLayoutId id="2147483649" r:id="rId2"/>
-    <p:sldLayoutId id="2147483650" r:id="rId3"/>
-    <p:sldLayoutId id="2147483651" r:id="rId4"/>
-    <p:sldLayoutId id="2147483652" r:id="rId5"/>
-    <p:sldLayoutId id="2147483653" r:id="rId6"/>
-    <p:sldLayoutId id="2147483654" r:id="rId7"/>
-    <p:sldLayoutId id="2147483655" r:id="rId8"/>
-    <p:sldLayoutId id="2147483656" r:id="rId9"/>
-    <p:sldLayoutId id="2147483657" r:id="rId10"/>
-    <p:sldLayoutId id="2147483658" r:id="rId11"/>
-    <p:sldLayoutId id="2147483659" r:id="rId12"/>
-    <p:sldLayoutId id="2147483660" r:id="rId13"/>
+    <p:sldLayoutId id="2147483649" r:id="rId1"/>
+    <p:sldLayoutId id="2147483650" r:id="rId2"/>
+    <p:sldLayoutId id="2147483651" r:id="rId3"/>
+    <p:sldLayoutId id="2147483652" r:id="rId4"/>
+    <p:sldLayoutId id="2147483653" r:id="rId5"/>
+    <p:sldLayoutId id="2147483654" r:id="rId6"/>
+    <p:sldLayoutId id="2147483655" r:id="rId7"/>
+    <p:sldLayoutId id="2147483656" r:id="rId8"/>
+    <p:sldLayoutId id="2147483657" r:id="rId9"/>
+    <p:sldLayoutId id="2147483658" r:id="rId10"/>
+    <p:sldLayoutId id="2147483659" r:id="rId11"/>
+    <p:sldLayoutId id="2147483660" r:id="rId12"/>
   </p:sldLayoutIdLst>
+  <p:txStyles>
+    <p:titleStyle>
+      <a:lvl1pPr algn="l" defTabSz="914400" rtl="0" eaLnBrk="1" latinLnBrk="0" hangingPunct="1">
+        <a:lnSpc>
+          <a:spcPct val="90000"/>
+        </a:lnSpc>
+        <a:spcBef>
+          <a:spcPct val="0"/>
+        </a:spcBef>
+        <a:buNone/>
+        <a:defRPr sz="4400" kern="1200">
+          <a:solidFill>
+            <a:schemeClr val="tx1"/>
+          </a:solidFill>
+          <a:latin typeface="+mj-lt"/>
+          <a:ea typeface="+mj-ea"/>
+          <a:cs typeface="+mj-cs"/>
+        </a:defRPr>
+      </a:lvl1pPr>
+    </p:titleStyle>
+    <p:bodyStyle>
+      <a:lvl1pPr marL="228600" indent="-228600" algn="l" defTabSz="914400" rtl="0" eaLnBrk="1" latinLnBrk="0" hangingPunct="1">
+        <a:lnSpc>
+          <a:spcPct val="90000"/>
+        </a:lnSpc>
+        <a:spcBef>
+          <a:spcPts val="1000"/>
+        </a:spcBef>
+        <a:buFont typeface="Arial" panose="020B0604020202020204" pitchFamily="34" charset="0"/>
+        <a:buChar char="•"/>
+        <a:defRPr sz="2800" kern="1200">
+          <a:solidFill>
+            <a:schemeClr val="tx1"/>
+          </a:solidFill>
+          <a:latin typeface="+mn-lt"/>
+          <a:ea typeface="+mn-ea"/>
+          <a:cs typeface="+mn-cs"/>
+        </a:defRPr>
+      </a:lvl1pPr>
+      <a:lvl2pPr marL="685800" indent="-228600" algn="l" defTabSz="914400" rtl="0" eaLnBrk="1" latinLnBrk="0" hangingPunct="1">
+        <a:lnSpc>
+          <a:spcPct val="90000"/>
+        </a:lnSpc>
+        <a:spcBef>
+          <a:spcPts val="500"/>
+        </a:spcBef>
+        <a:buFont typeface="Arial" panose="020B0604020202020204" pitchFamily="34" charset="0"/>
+        <a:buChar char="•"/>
+        <a:defRPr sz="2400" kern="1200">
+          <a:solidFill>
+            <a:schemeClr val="tx1"/>
+          </a:solidFill>
+          <a:latin typeface="+mn-lt"/>
+          <a:ea typeface="+mn-ea"/>
+          <a:cs typeface="+mn-cs"/>
+        </a:defRPr>
+      </a:lvl2pPr>
+      <a:lvl3pPr marL="1143000" indent="-228600" algn="l" defTabSz="914400" rtl="0" eaLnBrk="1" latinLnBrk="0" hangingPunct="1">
+        <a:lnSpc>
+          <a:spcPct val="90000"/>
+        </a:lnSpc>
+        <a:spcBef>
+          <a:spcPts val="500"/>
+        </a:spcBef>
+        <a:buFont typeface="Arial" panose="020B0604020202020204" pitchFamily="34" charset="0"/>
+        <a:buChar char="•"/>
+        <a:defRPr sz="2000" kern="1200">
+          <a:solidFill>
+            <a:schemeClr val="tx1"/>
+          </a:solidFill>
+          <a:latin typeface="+mn-lt"/>
+          <a:ea typeface="+mn-ea"/>
+          <a:cs typeface="+mn-cs"/>
+        </a:defRPr>
+      </a:lvl3pPr>
+      <a:lvl4pPr marL="1600200" indent="-228600" algn="l" defTabSz="914400" rtl="0" eaLnBrk="1" latinLnBrk="0" hangingPunct="1">
+        <a:lnSpc>
+          <a:spcPct val="90000"/>
+        </a:lnSpc>
+        <a:spcBef>
+          <a:spcPts val="500"/>
+        </a:spcBef>
+        <a:buFont typeface="Arial" panose="020B0604020202020204" pitchFamily="34" charset="0"/>
+        <a:buChar char="•"/>
+        <a:defRPr sz="1800" kern="1200">
+          <a:solidFill>
+            <a:schemeClr val="tx1"/>
+          </a:solidFill>
+          <a:latin typeface="+mn-lt"/>
+          <a:ea typeface="+mn-ea"/>
+          <a:cs typeface="+mn-cs"/>
+        </a:defRPr>
+      </a:lvl4pPr>
+      <a:lvl5pPr marL="2057400" indent="-228600" algn="l" defTabSz="914400" rtl="0" eaLnBrk="1" latinLnBrk="0" hangingPunct="1">
+        <a:lnSpc>
+          <a:spcPct val="90000"/>
+        </a:lnSpc>
+        <a:spcBef>
+          <a:spcPts val="500"/>
+        </a:spcBef>
+        <a:buFont typeface="Arial" panose="020B0604020202020204" pitchFamily="34" charset="0"/>
+        <a:buChar char="•"/>
+        <a:defRPr sz="1800" kern="1200">
+          <a:solidFill>
+            <a:schemeClr val="tx1"/>
+          </a:solidFill>
+          <a:latin typeface="+mn-lt"/>
+          <a:ea typeface="+mn-ea"/>
+          <a:cs typeface="+mn-cs"/>
+        </a:defRPr>
+      </a:lvl5pPr>
+      <a:lvl6pPr marL="2514600" indent="-228600" algn="l" defTabSz="914400" rtl="0" eaLnBrk="1" latinLnBrk="0" hangingPunct="1">
+        <a:lnSpc>
+          <a:spcPct val="90000"/>
+        </a:lnSpc>
+        <a:spcBef>
+          <a:spcPts val="500"/>
+        </a:spcBef>
+        <a:buFont typeface="Arial" panose="020B0604020202020204" pitchFamily="34" charset="0"/>
+        <a:buChar char="•"/>
+        <a:defRPr sz="1800" kern="1200">
+          <a:solidFill>
+            <a:schemeClr val="tx1"/>
+          </a:solidFill>
+          <a:latin typeface="+mn-lt"/>
+          <a:ea typeface="+mn-ea"/>
+          <a:cs typeface="+mn-cs"/>
+        </a:defRPr>
+      </a:lvl6pPr>
+      <a:lvl7pPr marL="2971800" indent="-228600" algn="l" defTabSz="914400" rtl="0" eaLnBrk="1" latinLnBrk="0" hangingPunct="1">
+        <a:lnSpc>
+          <a:spcPct val="90000"/>
+        </a:lnSpc>
+        <a:spcBef>
+          <a:spcPts val="500"/>
+        </a:spcBef>
+        <a:buFont typeface="Arial" panose="020B0604020202020204" pitchFamily="34" charset="0"/>
+        <a:buChar char="•"/>
+        <a:defRPr sz="1800" kern="1200">
+          <a:solidFill>
+            <a:schemeClr val="tx1"/>
+          </a:solidFill>
+          <a:latin typeface="+mn-lt"/>
+          <a:ea typeface="+mn-ea"/>
+          <a:cs typeface="+mn-cs"/>
+        </a:defRPr>
+      </a:lvl7pPr>
+      <a:lvl8pPr marL="3429000" indent="-228600" algn="l" defTabSz="914400" rtl="0" eaLnBrk="1" latinLnBrk="0" hangingPunct="1">
+        <a:lnSpc>
+          <a:spcPct val="90000"/>
+        </a:lnSpc>
+        <a:spcBef>
+          <a:spcPts val="500"/>
+        </a:spcBef>
+        <a:buFont typeface="Arial" panose="020B0604020202020204" pitchFamily="34" charset="0"/>
+        <a:buChar char="•"/>
+        <a:defRPr sz="1800" kern="1200">
+          <a:solidFill>
+            <a:schemeClr val="tx1"/>
+          </a:solidFill>
+          <a:latin typeface="+mn-lt"/>
+          <a:ea typeface="+mn-ea"/>
+          <a:cs typeface="+mn-cs"/>
+        </a:defRPr>
+      </a:lvl8pPr>
+      <a:lvl9pPr marL="3886200" indent="-228600" algn="l" defTabSz="914400" rtl="0" eaLnBrk="1" latinLnBrk="0" hangingPunct="1">
+        <a:lnSpc>
+          <a:spcPct val="90000"/>
+        </a:lnSpc>
+        <a:spcBef>
+          <a:spcPts val="500"/>
+        </a:spcBef>
+        <a:buFont typeface="Arial" panose="020B0604020202020204" pitchFamily="34" charset="0"/>
+        <a:buChar char="•"/>
+        <a:defRPr sz="1800" kern="1200">
+          <a:solidFill>
+            <a:schemeClr val="tx1"/>
+          </a:solidFill>
+          <a:latin typeface="+mn-lt"/>
+          <a:ea typeface="+mn-ea"/>
+          <a:cs typeface="+mn-cs"/>
+        </a:defRPr>
+      </a:lvl9pPr>
+    </p:bodyStyle>
+    <p:otherStyle>
+      <a:defPPr>
+        <a:defRPr lang="en-US"/>
+      </a:defPPr>
+      <a:lvl1pPr marL="0" algn="l" defTabSz="914400" rtl="0" eaLnBrk="1" latinLnBrk="0" hangingPunct="1">
+        <a:defRPr sz="1800" kern="1200">
+          <a:solidFill>
+            <a:schemeClr val="tx1"/>
+          </a:solidFill>
+          <a:latin typeface="+mn-lt"/>
+          <a:ea typeface="+mn-ea"/>
+          <a:cs typeface="+mn-cs"/>
+        </a:defRPr>
+      </a:lvl1pPr>
+      <a:lvl2pPr marL="457200" algn="l" defTabSz="914400" rtl="0" eaLnBrk="1" latinLnBrk="0" hangingPunct="1">
+        <a:defRPr sz="1800" kern="1200">
+          <a:solidFill>
+            <a:schemeClr val="tx1"/>
+          </a:solidFill>
+          <a:latin typeface="+mn-lt"/>
+          <a:ea typeface="+mn-ea"/>
+          <a:cs typeface="+mn-cs"/>
+        </a:defRPr>
+      </a:lvl2pPr>
+      <a:lvl3pPr marL="914400" algn="l" defTabSz="914400" rtl="0" eaLnBrk="1" latinLnBrk="0" hangingPunct="1">
+        <a:defRPr sz="1800" kern="1200">
+          <a:solidFill>
+            <a:schemeClr val="tx1"/>
+          </a:solidFill>
+          <a:latin typeface="+mn-lt"/>
+          <a:ea typeface="+mn-ea"/>
+          <a:cs typeface="+mn-cs"/>
+        </a:defRPr>
+      </a:lvl3pPr>
+      <a:lvl4pPr marL="1371600" algn="l" defTabSz="914400" rtl="0" eaLnBrk="1" latinLnBrk="0" hangingPunct="1">
+        <a:defRPr sz="1800" kern="1200">
+          <a:solidFill>
+            <a:schemeClr val="tx1"/>
+          </a:solidFill>
+          <a:latin typeface="+mn-lt"/>
+          <a:ea typeface="+mn-ea"/>
+          <a:cs typeface="+mn-cs"/>
+        </a:defRPr>
+      </a:lvl4pPr>
+      <a:lvl5pPr marL="1828800" algn="l" defTabSz="914400" rtl="0" eaLnBrk="1" latinLnBrk="0" hangingPunct="1">
+        <a:defRPr sz="1800" kern="1200">
+          <a:solidFill>
+            <a:schemeClr val="tx1"/>
+          </a:solidFill>
+          <a:latin typeface="+mn-lt"/>
+          <a:ea typeface="+mn-ea"/>
+          <a:cs typeface="+mn-cs"/>
+        </a:defRPr>
+      </a:lvl5pPr>
+      <a:lvl6pPr marL="2286000" algn="l" defTabSz="914400" rtl="0" eaLnBrk="1" latinLnBrk="0" hangingPunct="1">
+        <a:defRPr sz="1800" kern="1200">
+          <a:solidFill>
+            <a:schemeClr val="tx1"/>
+          </a:solidFill>
+          <a:latin typeface="+mn-lt"/>
+          <a:ea typeface="+mn-ea"/>
+          <a:cs typeface="+mn-cs"/>
+        </a:defRPr>
+      </a:lvl6pPr>
+      <a:lvl7pPr marL="2743200" algn="l" defTabSz="914400" rtl="0" eaLnBrk="1" latinLnBrk="0" hangingPunct="1">
+        <a:defRPr sz="1800" kern="1200">
+          <a:solidFill>
+            <a:schemeClr val="tx1"/>
+          </a:solidFill>
+          <a:latin typeface="+mn-lt"/>
+          <a:ea typeface="+mn-ea"/>
+          <a:cs typeface="+mn-cs"/>
+        </a:defRPr>
+      </a:lvl7pPr>
+      <a:lvl8pPr marL="3200400" algn="l" defTabSz="914400" rtl="0" eaLnBrk="1" latinLnBrk="0" hangingPunct="1">
+        <a:defRPr sz="1800" kern="1200">
+          <a:solidFill>
+            <a:schemeClr val="tx1"/>
+          </a:solidFill>
+          <a:latin typeface="+mn-lt"/>
+          <a:ea typeface="+mn-ea"/>
+          <a:cs typeface="+mn-cs"/>
+        </a:defRPr>
+      </a:lvl8pPr>
+      <a:lvl9pPr marL="3657600" algn="l" defTabSz="914400" rtl="0" eaLnBrk="1" latinLnBrk="0" hangingPunct="1">
+        <a:defRPr sz="1800" kern="1200">
+          <a:solidFill>
+            <a:schemeClr val="tx1"/>
+          </a:solidFill>
+          <a:latin typeface="+mn-lt"/>
+          <a:ea typeface="+mn-ea"/>
+          <a:cs typeface="+mn-cs"/>
+        </a:defRPr>
+      </a:lvl9pPr>
+    </p:otherStyle>
+  </p:txStyles>
 </p:sldMaster>
 </file>
 
 <file path=ppt/slides/slide1.xml><?xml version="1.0" encoding="utf-8"?>
-<p:sld xmlns:a="http://schemas.openxmlformats.org/drawingml/2006/main" xmlns:p="http://schemas.openxmlformats.org/presentationml/2006/main" xmlns:r="http://schemas.openxmlformats.org/officeDocument/2006/relationships" xmlns:p14="http://schemas.microsoft.com/office/powerpoint/2010/main" xmlns:p15="http://schemas.microsoft.com/office/powerpoint/2012/main" xmlns:mc="http://schemas.openxmlformats.org/markup-compatibility/2006">
+<p:sld xmlns:a="http://schemas.openxmlformats.org/drawingml/2006/main" xmlns:r="http://schemas.openxmlformats.org/officeDocument/2006/relationships" xmlns:p="http://schemas.openxmlformats.org/presentationml/2006/main">
   <p:cSld>
     <p:spTree>
       <p:nvGrpSpPr>
@@ -1984,7 +2442,7 @@
       </p:grpSpPr>
       <p:sp>
         <p:nvSpPr>
-          <p:cNvPr id="42" name=""/>
+          <p:cNvPr id="42" name="Rectangle 41"/>
           <p:cNvSpPr/>
           <p:nvPr/>
         </p:nvSpPr>
@@ -2002,15 +2460,22 @@
           </a:ln>
         </p:spPr>
         <p:style>
-          <a:lnRef idx="0"/>
-          <a:fillRef idx="0"/>
-          <a:effectRef idx="0"/>
+          <a:lnRef idx="0">
+            <a:scrgbClr r="0" g="0" b="0"/>
+          </a:lnRef>
+          <a:fillRef idx="0">
+            <a:scrgbClr r="0" g="0" b="0"/>
+          </a:fillRef>
+          <a:effectRef idx="0">
+            <a:scrgbClr r="0" g="0" b="0"/>
+          </a:effectRef>
           <a:fontRef idx="minor"/>
         </p:style>
         <p:txBody>
-          <a:bodyPr lIns="0" rIns="0" tIns="0" bIns="0" anchor="ctr">
+          <a:bodyPr lIns="0" tIns="0" rIns="0" bIns="0" anchor="ctr">
             <a:noAutofit/>
           </a:bodyPr>
+          <a:lstStyle/>
           <a:p>
             <a:pPr algn="ctr">
               <a:lnSpc>
@@ -2018,7 +2483,7 @@
               </a:lnSpc>
             </a:pPr>
             <a:r>
-              <a:rPr b="0" lang="en-US" sz="2400" spc="-1" strike="noStrike">
+              <a:rPr lang="en-US" sz="2400" b="0" strike="noStrike" spc="-1" dirty="0">
                 <a:solidFill>
                   <a:srgbClr val="000000"/>
                 </a:solidFill>
@@ -2026,15 +2491,15 @@
               </a:rPr>
               <a:t>An Investigation into the use of Artificial Intelligence to create custom houses using the Unity engine.</a:t>
             </a:r>
-            <a:endParaRPr b="0" lang="en-US" sz="2400" spc="-1" strike="noStrike">
-              <a:latin typeface="Arial"/>
-            </a:endParaRPr>
-          </a:p>
-        </p:txBody>
-      </p:sp>
-      <p:sp>
-        <p:nvSpPr>
-          <p:cNvPr id="43" name=""/>
+            <a:endParaRPr lang="en-US" sz="2400" b="0" strike="noStrike" spc="-1" dirty="0">
+              <a:latin typeface="Arial"/>
+            </a:endParaRPr>
+          </a:p>
+        </p:txBody>
+      </p:sp>
+      <p:sp>
+        <p:nvSpPr>
+          <p:cNvPr id="43" name="Rectangle 42"/>
           <p:cNvSpPr/>
           <p:nvPr/>
         </p:nvSpPr>
@@ -2052,15 +2517,22 @@
           </a:ln>
         </p:spPr>
         <p:style>
-          <a:lnRef idx="0"/>
-          <a:fillRef idx="0"/>
-          <a:effectRef idx="0"/>
+          <a:lnRef idx="0">
+            <a:scrgbClr r="0" g="0" b="0"/>
+          </a:lnRef>
+          <a:fillRef idx="0">
+            <a:scrgbClr r="0" g="0" b="0"/>
+          </a:fillRef>
+          <a:effectRef idx="0">
+            <a:scrgbClr r="0" g="0" b="0"/>
+          </a:effectRef>
           <a:fontRef idx="minor"/>
         </p:style>
         <p:txBody>
-          <a:bodyPr lIns="0" rIns="0" tIns="0" bIns="0" anchor="ctr">
+          <a:bodyPr lIns="0" tIns="0" rIns="0" bIns="0" anchor="ctr">
             <a:noAutofit/>
           </a:bodyPr>
+          <a:lstStyle/>
           <a:p>
             <a:pPr algn="ctr">
               <a:lnSpc>
@@ -2068,7 +2540,7 @@
               </a:lnSpc>
             </a:pPr>
             <a:r>
-              <a:rPr b="0" lang="en-US" sz="3000" spc="-1" strike="noStrike">
+              <a:rPr lang="en-US" sz="3000" b="0" strike="noStrike" spc="-1" dirty="0">
                 <a:solidFill>
                   <a:srgbClr val="333333"/>
                 </a:solidFill>
@@ -2076,9 +2548,11 @@
               </a:rPr>
               <a:t>Final Year Project</a:t>
             </a:r>
-            <a:br/>
+            <a:br>
+              <a:rPr dirty="0"/>
+            </a:br>
             <a:r>
-              <a:rPr b="0" lang="en-US" sz="2000" spc="-1" strike="noStrike">
+              <a:rPr lang="en-US" sz="2000" b="0" strike="noStrike" spc="-1" dirty="0">
                 <a:solidFill>
                   <a:srgbClr val="333333"/>
                 </a:solidFill>
@@ -2087,7 +2561,7 @@
               <a:t>Michael Crowley McDevitt </a:t>
             </a:r>
             <a:r>
-              <a:rPr b="0" lang="en-US" sz="1800" spc="-1" strike="noStrike">
+              <a:rPr lang="en-US" sz="1800" b="0" strike="noStrike" spc="-1" dirty="0">
                 <a:solidFill>
                   <a:srgbClr val="333333"/>
                 </a:solidFill>
@@ -2095,7 +2569,7 @@
               </a:rPr>
               <a:t>T00200043</a:t>
             </a:r>
-            <a:endParaRPr b="0" lang="en-US" sz="1800" spc="-1" strike="noStrike">
+            <a:endParaRPr lang="en-US" sz="1800" b="0" strike="noStrike" spc="-1" dirty="0">
               <a:latin typeface="Arial"/>
             </a:endParaRPr>
           </a:p>
@@ -2103,19 +2577,14 @@
       </p:sp>
     </p:spTree>
   </p:cSld>
-  <mc:AlternateContent>
-    <mc:Choice Requires="p14">
-      <p:transition spd="slow" p14:dur="2000"/>
-    </mc:Choice>
-    <mc:Fallback>
-      <p:transition spd="slow"/>
-    </mc:Fallback>
-  </mc:AlternateContent>
+  <p:clrMapOvr>
+    <a:masterClrMapping/>
+  </p:clrMapOvr>
 </p:sld>
 </file>
 
 <file path=ppt/slides/slide2.xml><?xml version="1.0" encoding="utf-8"?>
-<p:sld xmlns:a="http://schemas.openxmlformats.org/drawingml/2006/main" xmlns:p="http://schemas.openxmlformats.org/presentationml/2006/main" xmlns:r="http://schemas.openxmlformats.org/officeDocument/2006/relationships" xmlns:p14="http://schemas.microsoft.com/office/powerpoint/2010/main" xmlns:p15="http://schemas.microsoft.com/office/powerpoint/2012/main" xmlns:mc="http://schemas.openxmlformats.org/markup-compatibility/2006">
+<p:sld xmlns:a="http://schemas.openxmlformats.org/drawingml/2006/main" xmlns:r="http://schemas.openxmlformats.org/officeDocument/2006/relationships" xmlns:p="http://schemas.openxmlformats.org/presentationml/2006/main">
   <p:cSld>
     <p:spTree>
       <p:nvGrpSpPr>
@@ -2133,7 +2602,7 @@
       </p:grpSpPr>
       <p:sp>
         <p:nvSpPr>
-          <p:cNvPr id="44" name=""/>
+          <p:cNvPr id="44" name="Rectangle 43"/>
           <p:cNvSpPr/>
           <p:nvPr/>
         </p:nvSpPr>
@@ -2151,15 +2620,22 @@
           </a:ln>
         </p:spPr>
         <p:style>
-          <a:lnRef idx="0"/>
-          <a:fillRef idx="0"/>
-          <a:effectRef idx="0"/>
+          <a:lnRef idx="0">
+            <a:scrgbClr r="0" g="0" b="0"/>
+          </a:lnRef>
+          <a:fillRef idx="0">
+            <a:scrgbClr r="0" g="0" b="0"/>
+          </a:fillRef>
+          <a:effectRef idx="0">
+            <a:scrgbClr r="0" g="0" b="0"/>
+          </a:effectRef>
           <a:fontRef idx="minor"/>
         </p:style>
         <p:txBody>
-          <a:bodyPr lIns="0" rIns="0" tIns="0" bIns="0" anchor="ctr">
+          <a:bodyPr lIns="0" tIns="0" rIns="0" bIns="0" anchor="ctr">
             <a:noAutofit/>
           </a:bodyPr>
+          <a:lstStyle/>
           <a:p>
             <a:pPr>
               <a:lnSpc>
@@ -2167,7 +2643,7 @@
               </a:lnSpc>
             </a:pPr>
             <a:r>
-              <a:rPr b="0" lang="en-US" sz="2400" spc="-1" strike="noStrike">
+              <a:rPr lang="en-US" sz="2400" b="0" strike="noStrike" spc="-1" dirty="0">
                 <a:solidFill>
                   <a:srgbClr val="000000"/>
                 </a:solidFill>
@@ -2175,7 +2651,7 @@
               </a:rPr>
               <a:t>Research Area:</a:t>
             </a:r>
-            <a:endParaRPr b="0" lang="en-US" sz="2400" spc="-1" strike="noStrike">
+            <a:endParaRPr lang="en-US" sz="2400" b="0" strike="noStrike" spc="-1" dirty="0">
               <a:latin typeface="Arial"/>
             </a:endParaRPr>
           </a:p>
@@ -2186,15 +2662,15 @@
               </a:lnSpc>
             </a:pPr>
             <a:r>
-              <a:rPr b="0" lang="en-US" sz="1600" spc="-1" strike="noStrike">
+              <a:rPr lang="en-US" sz="1600" b="0" strike="noStrike" spc="-1" dirty="0">
                 <a:solidFill>
                   <a:srgbClr val="000000"/>
                 </a:solidFill>
                 <a:latin typeface="Arial"/>
               </a:rPr>
-              <a:t>Using AI within Unity to generate housing.</a:t>
+              <a:t>Using AI within Unity to generate housing to aid with property design and planning.</a:t>
             </a:r>
-            <a:endParaRPr b="0" lang="en-US" sz="1600" spc="-1" strike="noStrike">
+            <a:endParaRPr lang="en-US" sz="1600" b="0" strike="noStrike" spc="-1" dirty="0">
               <a:latin typeface="Arial"/>
             </a:endParaRPr>
           </a:p>
@@ -2204,7 +2680,7 @@
                 <a:spcPct val="100000"/>
               </a:lnSpc>
             </a:pPr>
-            <a:endParaRPr b="0" lang="en-US" sz="1600" spc="-1" strike="noStrike">
+            <a:endParaRPr lang="en-US" sz="1600" b="0" strike="noStrike" spc="-1" dirty="0">
               <a:latin typeface="Arial"/>
             </a:endParaRPr>
           </a:p>
@@ -2215,7 +2691,7 @@
               </a:lnSpc>
             </a:pPr>
             <a:r>
-              <a:rPr b="0" lang="en-US" sz="2400" spc="-1" strike="noStrike">
+              <a:rPr lang="en-US" sz="2400" b="0" strike="noStrike" spc="-1" dirty="0">
                 <a:solidFill>
                   <a:srgbClr val="000000"/>
                 </a:solidFill>
@@ -2223,7 +2699,7 @@
               </a:rPr>
               <a:t>Research Questions:</a:t>
             </a:r>
-            <a:endParaRPr b="0" lang="en-US" sz="2400" spc="-1" strike="noStrike">
+            <a:endParaRPr lang="en-US" sz="2400" b="0" strike="noStrike" spc="-1" dirty="0">
               <a:latin typeface="Arial"/>
             </a:endParaRPr>
           </a:p>
@@ -2234,33 +2710,15 @@
               </a:lnSpc>
             </a:pPr>
             <a:r>
-              <a:rPr b="0" lang="en-US" sz="1600" spc="-1" strike="noStrike">
+              <a:rPr lang="en-US" sz="1600" b="0" strike="noStrike" spc="-1" dirty="0">
                 <a:solidFill>
                   <a:srgbClr val="000000"/>
                 </a:solidFill>
                 <a:latin typeface="Arial"/>
               </a:rPr>
-              <a:t> </a:t>
+              <a:t> 	- How to get AI to run inside Unity.</a:t>
             </a:r>
-            <a:r>
-              <a:rPr b="0" lang="en-US" sz="1600" spc="-1" strike="noStrike">
-                <a:solidFill>
-                  <a:srgbClr val="000000"/>
-                </a:solidFill>
-                <a:latin typeface="Arial"/>
-              </a:rPr>
-              <a:t>	</a:t>
-            </a:r>
-            <a:r>
-              <a:rPr b="0" lang="en-US" sz="1600" spc="-1" strike="noStrike">
-                <a:solidFill>
-                  <a:srgbClr val="000000"/>
-                </a:solidFill>
-                <a:latin typeface="Arial"/>
-              </a:rPr>
-              <a:t>- How to get AI to run inside Unity.</a:t>
-            </a:r>
-            <a:endParaRPr b="0" lang="en-US" sz="1600" spc="-1" strike="noStrike">
+            <a:endParaRPr lang="en-US" sz="1600" b="0" strike="noStrike" spc="-1" dirty="0">
               <a:latin typeface="Arial"/>
             </a:endParaRPr>
           </a:p>
@@ -2271,24 +2729,15 @@
               </a:lnSpc>
             </a:pPr>
             <a:r>
-              <a:rPr b="0" lang="en-US" sz="1600" spc="-1" strike="noStrike">
+              <a:rPr lang="en-US" sz="1600" b="0" strike="noStrike" spc="-1" dirty="0">
                 <a:solidFill>
                   <a:srgbClr val="000000"/>
                 </a:solidFill>
                 <a:latin typeface="Arial"/>
               </a:rPr>
-              <a:t>	</a:t>
+              <a:t>	- How to pass parameters into it.</a:t>
             </a:r>
-            <a:r>
-              <a:rPr b="0" lang="en-US" sz="1600" spc="-1" strike="noStrike">
-                <a:solidFill>
-                  <a:srgbClr val="000000"/>
-                </a:solidFill>
-                <a:latin typeface="Arial"/>
-              </a:rPr>
-              <a:t>- How to pass parameters into it.</a:t>
-            </a:r>
-            <a:endParaRPr b="0" lang="en-US" sz="1600" spc="-1" strike="noStrike">
+            <a:endParaRPr lang="en-US" sz="1600" b="0" strike="noStrike" spc="-1" dirty="0">
               <a:latin typeface="Arial"/>
             </a:endParaRPr>
           </a:p>
@@ -2299,24 +2748,15 @@
               </a:lnSpc>
             </a:pPr>
             <a:r>
-              <a:rPr b="0" lang="en-US" sz="1600" spc="-1" strike="noStrike">
+              <a:rPr lang="en-US" sz="1600" b="0" strike="noStrike" spc="-1" dirty="0">
                 <a:solidFill>
                   <a:srgbClr val="000000"/>
                 </a:solidFill>
                 <a:latin typeface="Arial"/>
               </a:rPr>
-              <a:t>	</a:t>
+              <a:t>	- Create pre-built models for the AI to manipulate.</a:t>
             </a:r>
-            <a:r>
-              <a:rPr b="0" lang="en-US" sz="1600" spc="-1" strike="noStrike">
-                <a:solidFill>
-                  <a:srgbClr val="000000"/>
-                </a:solidFill>
-                <a:latin typeface="Arial"/>
-              </a:rPr>
-              <a:t>- Create pre-built models for the AI to manipulate.</a:t>
-            </a:r>
-            <a:endParaRPr b="0" lang="en-US" sz="1600" spc="-1" strike="noStrike">
+            <a:endParaRPr lang="en-US" sz="1600" b="0" strike="noStrike" spc="-1" dirty="0">
               <a:latin typeface="Arial"/>
             </a:endParaRPr>
           </a:p>
@@ -2327,24 +2767,31 @@
               </a:lnSpc>
             </a:pPr>
             <a:r>
-              <a:rPr b="0" lang="en-US" sz="1600" spc="-1" strike="noStrike">
+              <a:rPr lang="en-US" sz="1600" b="0" strike="noStrike" spc="-1" dirty="0">
                 <a:solidFill>
                   <a:srgbClr val="000000"/>
                 </a:solidFill>
                 <a:latin typeface="Arial"/>
               </a:rPr>
-              <a:t>	</a:t>
+              <a:t>	- Let the AI run using the given parameters.</a:t>
             </a:r>
+          </a:p>
+          <a:p>
+            <a:pPr>
+              <a:lnSpc>
+                <a:spcPct val="100000"/>
+              </a:lnSpc>
+            </a:pPr>
             <a:r>
-              <a:rPr b="0" lang="en-US" sz="1600" spc="-1" strike="noStrike">
+              <a:rPr lang="en-US" sz="1600" spc="-1" dirty="0">
                 <a:solidFill>
                   <a:srgbClr val="000000"/>
                 </a:solidFill>
                 <a:latin typeface="Arial"/>
               </a:rPr>
-              <a:t>- Let the AI run using the given parameters.</a:t>
+              <a:t>	- How to maximize room space.</a:t>
             </a:r>
-            <a:endParaRPr b="0" lang="en-US" sz="1600" spc="-1" strike="noStrike">
+            <a:endParaRPr lang="en-US" sz="1600" b="0" strike="noStrike" spc="-1" dirty="0">
               <a:latin typeface="Arial"/>
             </a:endParaRPr>
           </a:p>
@@ -2354,15 +2801,15 @@
                 <a:spcPct val="100000"/>
               </a:lnSpc>
             </a:pPr>
-            <a:endParaRPr b="0" lang="en-US" sz="1600" spc="-1" strike="noStrike">
-              <a:latin typeface="Arial"/>
-            </a:endParaRPr>
-          </a:p>
-        </p:txBody>
-      </p:sp>
-      <p:sp>
-        <p:nvSpPr>
-          <p:cNvPr id="45" name=""/>
+            <a:endParaRPr lang="en-US" sz="1600" b="0" strike="noStrike" spc="-1" dirty="0">
+              <a:latin typeface="Arial"/>
+            </a:endParaRPr>
+          </a:p>
+        </p:txBody>
+      </p:sp>
+      <p:sp>
+        <p:nvSpPr>
+          <p:cNvPr id="45" name="Rectangle 44"/>
           <p:cNvSpPr/>
           <p:nvPr/>
         </p:nvSpPr>
@@ -2380,15 +2827,22 @@
           </a:ln>
         </p:spPr>
         <p:style>
-          <a:lnRef idx="0"/>
-          <a:fillRef idx="0"/>
-          <a:effectRef idx="0"/>
+          <a:lnRef idx="0">
+            <a:scrgbClr r="0" g="0" b="0"/>
+          </a:lnRef>
+          <a:fillRef idx="0">
+            <a:scrgbClr r="0" g="0" b="0"/>
+          </a:fillRef>
+          <a:effectRef idx="0">
+            <a:scrgbClr r="0" g="0" b="0"/>
+          </a:effectRef>
           <a:fontRef idx="minor"/>
         </p:style>
         <p:txBody>
-          <a:bodyPr lIns="0" rIns="0" tIns="0" bIns="0" anchor="ctr">
+          <a:bodyPr lIns="0" tIns="0" rIns="0" bIns="0" anchor="ctr">
             <a:noAutofit/>
           </a:bodyPr>
+          <a:lstStyle/>
           <a:p>
             <a:pPr algn="ctr">
               <a:lnSpc>
@@ -2396,7 +2850,7 @@
               </a:lnSpc>
             </a:pPr>
             <a:r>
-              <a:rPr b="0" lang="en-US" sz="3000" spc="-1" strike="noStrike">
+              <a:rPr lang="en-US" sz="3000" b="0" strike="noStrike" spc="-1">
                 <a:solidFill>
                   <a:srgbClr val="333333"/>
                 </a:solidFill>
@@ -2404,7 +2858,7 @@
               </a:rPr>
               <a:t>Research Area &amp; Research Questions</a:t>
             </a:r>
-            <a:endParaRPr b="0" lang="en-US" sz="3000" spc="-1" strike="noStrike">
+            <a:endParaRPr lang="en-US" sz="3000" b="0" strike="noStrike" spc="-1">
               <a:latin typeface="Arial"/>
             </a:endParaRPr>
           </a:p>
@@ -2412,14 +2866,9 @@
       </p:sp>
     </p:spTree>
   </p:cSld>
-  <mc:AlternateContent>
-    <mc:Choice Requires="p14">
-      <p:transition spd="slow" p14:dur="2000"/>
-    </mc:Choice>
-    <mc:Fallback>
-      <p:transition spd="slow"/>
-    </mc:Fallback>
-  </mc:AlternateContent>
+  <p:clrMapOvr>
+    <a:masterClrMapping/>
+  </p:clrMapOvr>
 </p:sld>
 </file>
 
@@ -2434,31 +2883,31 @@
         <a:sysClr val="window" lastClr="FFFFFF"/>
       </a:lt1>
       <a:dk2>
-        <a:srgbClr val="1f497d"/>
+        <a:srgbClr val="1F497D"/>
       </a:dk2>
       <a:lt2>
-        <a:srgbClr val="eeece1"/>
+        <a:srgbClr val="EEECE1"/>
       </a:lt2>
       <a:accent1>
-        <a:srgbClr val="4f81bd"/>
+        <a:srgbClr val="4F81BD"/>
       </a:accent1>
       <a:accent2>
-        <a:srgbClr val="c0504d"/>
+        <a:srgbClr val="C0504D"/>
       </a:accent2>
       <a:accent3>
-        <a:srgbClr val="9bbb59"/>
+        <a:srgbClr val="9BBB59"/>
       </a:accent3>
       <a:accent4>
-        <a:srgbClr val="8064a2"/>
+        <a:srgbClr val="8064A2"/>
       </a:accent4>
       <a:accent5>
-        <a:srgbClr val="4bacc6"/>
+        <a:srgbClr val="4BACC6"/>
       </a:accent5>
       <a:accent6>
-        <a:srgbClr val="f79646"/>
+        <a:srgbClr val="F79646"/>
       </a:accent6>
       <a:hlink>
-        <a:srgbClr val="0000ff"/>
+        <a:srgbClr val="0000FF"/>
       </a:hlink>
       <a:folHlink>
         <a:srgbClr val="800080"/>
@@ -2646,5 +3095,7 @@
       </a:bgFillStyleLst>
     </a:fmtScheme>
   </a:themeElements>
+  <a:objectDefaults/>
+  <a:extraClrSchemeLst/>
 </a:theme>
 </file>